--- a/lecture-6/presentation-6.pptx
+++ b/lecture-6/presentation-6.pptx
@@ -5,7 +5,7 @@
     <p:sldMasterId id="2147483764" r:id="rId1"/>
   </p:sldMasterIdLst>
   <p:notesMasterIdLst>
-    <p:notesMasterId r:id="rId8"/>
+    <p:notesMasterId r:id="rId13"/>
   </p:notesMasterIdLst>
   <p:sldIdLst>
     <p:sldId id="256" r:id="rId2"/>
@@ -13,7 +13,12 @@
     <p:sldId id="259" r:id="rId4"/>
     <p:sldId id="313" r:id="rId5"/>
     <p:sldId id="314" r:id="rId6"/>
-    <p:sldId id="312" r:id="rId7"/>
+    <p:sldId id="319" r:id="rId7"/>
+    <p:sldId id="315" r:id="rId8"/>
+    <p:sldId id="316" r:id="rId9"/>
+    <p:sldId id="317" r:id="rId10"/>
+    <p:sldId id="318" r:id="rId11"/>
+    <p:sldId id="312" r:id="rId12"/>
   </p:sldIdLst>
   <p:sldSz cx="12192000" cy="6858000"/>
   <p:notesSz cx="6858000" cy="9144000"/>
@@ -924,7 +929,7 @@
         <a:lstStyle/>
         <a:p>
           <a:r>
-            <a:rPr lang="en-US"/>
+            <a:rPr lang="en-US" dirty="0"/>
             <a:t>Conway Base (V1) - the basic sequential implementation</a:t>
           </a:r>
         </a:p>
@@ -960,7 +965,7 @@
         <a:lstStyle/>
         <a:p>
           <a:r>
-            <a:rPr lang="en-US"/>
+            <a:rPr lang="en-US" dirty="0"/>
             <a:t>Conway V2 - the improved variant as described in exercise 2</a:t>
           </a:r>
         </a:p>
@@ -996,13 +1001,13 @@
         <a:lstStyle/>
         <a:p>
           <a:r>
-            <a:rPr lang="en-US"/>
-            <a:t>Conway V3</a:t>
+            <a:rPr lang="en-US" dirty="0"/>
+            <a:t>Conway V3 - parallel version that uses Dask</a:t>
           </a:r>
         </a:p>
       </dgm:t>
     </dgm:pt>
-    <dgm:pt modelId="{03F0BDCE-99D2-4567-A867-D4630692D4DB}" type="parTrans" cxnId="{FF34C44B-EBF2-4EEA-A6F4-8A9F273C9AFA}">
+    <dgm:pt modelId="{2F2996B6-F5A7-4794-AAB7-470A6D2D07AB}" type="sibTrans" cxnId="{FF34C44B-EBF2-4EEA-A6F4-8A9F273C9AFA}">
       <dgm:prSet/>
       <dgm:spPr/>
       <dgm:t>
@@ -1013,7 +1018,7 @@
         </a:p>
       </dgm:t>
     </dgm:pt>
-    <dgm:pt modelId="{2F2996B6-F5A7-4794-AAB7-470A6D2D07AB}" type="sibTrans" cxnId="{FF34C44B-EBF2-4EEA-A6F4-8A9F273C9AFA}">
+    <dgm:pt modelId="{03F0BDCE-99D2-4567-A867-D4630692D4DB}" type="parTrans" cxnId="{FF34C44B-EBF2-4EEA-A6F4-8A9F273C9AFA}">
       <dgm:prSet/>
       <dgm:spPr/>
       <dgm:t>
@@ -1222,7 +1227,7 @@
             <a:buNone/>
           </a:pPr>
           <a:r>
-            <a:rPr lang="en-US" sz="3600" kern="1200"/>
+            <a:rPr lang="en-US" sz="3600" kern="1200" dirty="0"/>
             <a:t>Conway Base (V1) - the basic sequential implementation</a:t>
           </a:r>
         </a:p>
@@ -1332,7 +1337,7 @@
             <a:buNone/>
           </a:pPr>
           <a:r>
-            <a:rPr lang="en-US" sz="3600" kern="1200"/>
+            <a:rPr lang="en-US" sz="3600" kern="1200" dirty="0"/>
             <a:t>Conway V2 - the improved variant as described in exercise 2</a:t>
           </a:r>
         </a:p>
@@ -1442,8 +1447,8 @@
             <a:buNone/>
           </a:pPr>
           <a:r>
-            <a:rPr lang="en-US" sz="3600" kern="1200"/>
-            <a:t>Conway V3</a:t>
+            <a:rPr lang="en-US" sz="3600" kern="1200" dirty="0"/>
+            <a:t>Conway V3 - parallel version that uses Dask</a:t>
           </a:r>
         </a:p>
       </dsp:txBody>
@@ -3005,7 +3010,7 @@
             </a:lvl1pPr>
           </a:lstStyle>
           <a:p>
-            <a:endParaRPr lang="en-US"/>
+            <a:endParaRPr lang="en-US" dirty="0"/>
           </a:p>
         </p:txBody>
       </p:sp>
@@ -3038,9 +3043,9 @@
           <a:p>
             <a:fld id="{E758746B-B0EA-CA41-BB8E-A8C6FE44757D}" type="datetimeFigureOut">
               <a:rPr lang="en-US"/>
-              <a:t>11/2/19</a:t>
+              <a:t>11/6/19</a:t>
             </a:fld>
-            <a:endParaRPr lang="en-US"/>
+            <a:endParaRPr lang="en-US" dirty="0"/>
           </a:p>
         </p:txBody>
       </p:sp>
@@ -3073,7 +3078,7 @@
           <a:bodyPr vert="horz" lIns="91440" tIns="45720" rIns="91440" bIns="45720" rtlCol="0" anchor="ctr"/>
           <a:lstStyle/>
           <a:p>
-            <a:endParaRPr lang="en-US"/>
+            <a:endParaRPr lang="en-US" dirty="0"/>
           </a:p>
         </p:txBody>
       </p:sp>
@@ -3163,7 +3168,7 @@
             </a:lvl1pPr>
           </a:lstStyle>
           <a:p>
-            <a:endParaRPr lang="en-US"/>
+            <a:endParaRPr lang="en-US" dirty="0"/>
           </a:p>
         </p:txBody>
       </p:sp>
@@ -3198,7 +3203,7 @@
               <a:rPr lang="en-US"/>
               <a:t>‹#›</a:t>
             </a:fld>
-            <a:endParaRPr lang="en-US"/>
+            <a:endParaRPr lang="en-US" dirty="0"/>
           </a:p>
         </p:txBody>
       </p:sp>
@@ -3453,9 +3458,9 @@
             <a:fld id="{B61BEF0D-F0BB-DE4B-95CE-6DB70DBA9567}" type="datetimeFigureOut">
               <a:rPr lang="en-US"/>
               <a:pPr/>
-              <a:t>11/2/19</a:t>
+              <a:t>11/6/19</a:t>
             </a:fld>
-            <a:endParaRPr lang="en-US"/>
+            <a:endParaRPr lang="en-US" dirty="0"/>
           </a:p>
         </p:txBody>
       </p:sp>
@@ -3480,7 +3485,7 @@
           <a:bodyPr/>
           <a:lstStyle/>
           <a:p>
-            <a:endParaRPr lang="en-US"/>
+            <a:endParaRPr lang="en-US" dirty="0"/>
           </a:p>
         </p:txBody>
       </p:sp>
@@ -3510,7 +3515,7 @@
               <a:pPr/>
               <a:t>‹#›</a:t>
             </a:fld>
-            <a:endParaRPr lang="en-US"/>
+            <a:endParaRPr lang="en-US" dirty="0"/>
           </a:p>
         </p:txBody>
       </p:sp>
@@ -3665,9 +3670,9 @@
             <a:fld id="{B61BEF0D-F0BB-DE4B-95CE-6DB70DBA9567}" type="datetimeFigureOut">
               <a:rPr lang="en-US"/>
               <a:pPr/>
-              <a:t>11/2/19</a:t>
+              <a:t>11/6/19</a:t>
             </a:fld>
-            <a:endParaRPr lang="en-US"/>
+            <a:endParaRPr lang="en-US" dirty="0"/>
           </a:p>
         </p:txBody>
       </p:sp>
@@ -3692,7 +3697,7 @@
           <a:bodyPr/>
           <a:lstStyle/>
           <a:p>
-            <a:endParaRPr lang="en-US"/>
+            <a:endParaRPr lang="en-US" dirty="0"/>
           </a:p>
         </p:txBody>
       </p:sp>
@@ -3722,7 +3727,7 @@
               <a:pPr/>
               <a:t>‹#›</a:t>
             </a:fld>
-            <a:endParaRPr lang="en-US"/>
+            <a:endParaRPr lang="en-US" dirty="0"/>
           </a:p>
         </p:txBody>
       </p:sp>
@@ -3887,9 +3892,9 @@
             <a:fld id="{B61BEF0D-F0BB-DE4B-95CE-6DB70DBA9567}" type="datetimeFigureOut">
               <a:rPr lang="en-US"/>
               <a:pPr/>
-              <a:t>11/2/19</a:t>
+              <a:t>11/6/19</a:t>
             </a:fld>
-            <a:endParaRPr lang="en-US"/>
+            <a:endParaRPr lang="en-US" dirty="0"/>
           </a:p>
         </p:txBody>
       </p:sp>
@@ -3914,7 +3919,7 @@
           <a:bodyPr/>
           <a:lstStyle/>
           <a:p>
-            <a:endParaRPr lang="en-US"/>
+            <a:endParaRPr lang="en-US" dirty="0"/>
           </a:p>
         </p:txBody>
       </p:sp>
@@ -3944,7 +3949,7 @@
               <a:pPr/>
               <a:t>‹#›</a:t>
             </a:fld>
-            <a:endParaRPr lang="en-US"/>
+            <a:endParaRPr lang="en-US" dirty="0"/>
           </a:p>
         </p:txBody>
       </p:sp>
@@ -4099,9 +4104,9 @@
             <a:fld id="{B61BEF0D-F0BB-DE4B-95CE-6DB70DBA9567}" type="datetimeFigureOut">
               <a:rPr lang="en-US"/>
               <a:pPr/>
-              <a:t>11/2/19</a:t>
+              <a:t>11/6/19</a:t>
             </a:fld>
-            <a:endParaRPr lang="en-US"/>
+            <a:endParaRPr lang="en-US" dirty="0"/>
           </a:p>
         </p:txBody>
       </p:sp>
@@ -4126,7 +4131,7 @@
           <a:bodyPr/>
           <a:lstStyle/>
           <a:p>
-            <a:endParaRPr lang="en-US"/>
+            <a:endParaRPr lang="en-US" dirty="0"/>
           </a:p>
         </p:txBody>
       </p:sp>
@@ -4156,7 +4161,7 @@
               <a:pPr/>
               <a:t>‹#›</a:t>
             </a:fld>
-            <a:endParaRPr lang="en-US"/>
+            <a:endParaRPr lang="en-US" dirty="0"/>
           </a:p>
         </p:txBody>
       </p:sp>
@@ -4388,9 +4393,9 @@
             <a:fld id="{B61BEF0D-F0BB-DE4B-95CE-6DB70DBA9567}" type="datetimeFigureOut">
               <a:rPr lang="en-US"/>
               <a:pPr/>
-              <a:t>11/2/19</a:t>
+              <a:t>11/6/19</a:t>
             </a:fld>
-            <a:endParaRPr lang="en-US"/>
+            <a:endParaRPr lang="en-US" dirty="0"/>
           </a:p>
         </p:txBody>
       </p:sp>
@@ -4415,7 +4420,7 @@
           <a:bodyPr/>
           <a:lstStyle/>
           <a:p>
-            <a:endParaRPr lang="en-US"/>
+            <a:endParaRPr lang="en-US" dirty="0"/>
           </a:p>
         </p:txBody>
       </p:sp>
@@ -4445,7 +4450,7 @@
               <a:pPr/>
               <a:t>‹#›</a:t>
             </a:fld>
-            <a:endParaRPr lang="en-US"/>
+            <a:endParaRPr lang="en-US" dirty="0"/>
           </a:p>
         </p:txBody>
       </p:sp>
@@ -4667,9 +4672,9 @@
             <a:fld id="{B61BEF0D-F0BB-DE4B-95CE-6DB70DBA9567}" type="datetimeFigureOut">
               <a:rPr lang="en-US"/>
               <a:pPr/>
-              <a:t>11/2/19</a:t>
+              <a:t>11/6/19</a:t>
             </a:fld>
-            <a:endParaRPr lang="en-US"/>
+            <a:endParaRPr lang="en-US" dirty="0"/>
           </a:p>
         </p:txBody>
       </p:sp>
@@ -4694,7 +4699,7 @@
           <a:bodyPr/>
           <a:lstStyle/>
           <a:p>
-            <a:endParaRPr lang="en-US"/>
+            <a:endParaRPr lang="en-US" dirty="0"/>
           </a:p>
         </p:txBody>
       </p:sp>
@@ -4724,7 +4729,7 @@
               <a:pPr/>
               <a:t>‹#›</a:t>
             </a:fld>
-            <a:endParaRPr lang="en-US"/>
+            <a:endParaRPr lang="en-US" dirty="0"/>
           </a:p>
         </p:txBody>
       </p:sp>
@@ -5093,9 +5098,9 @@
             <a:fld id="{B61BEF0D-F0BB-DE4B-95CE-6DB70DBA9567}" type="datetimeFigureOut">
               <a:rPr lang="en-US"/>
               <a:pPr/>
-              <a:t>11/2/19</a:t>
+              <a:t>11/6/19</a:t>
             </a:fld>
-            <a:endParaRPr lang="en-US"/>
+            <a:endParaRPr lang="en-US" dirty="0"/>
           </a:p>
         </p:txBody>
       </p:sp>
@@ -5120,7 +5125,7 @@
           <a:bodyPr/>
           <a:lstStyle/>
           <a:p>
-            <a:endParaRPr lang="en-US"/>
+            <a:endParaRPr lang="en-US" dirty="0"/>
           </a:p>
         </p:txBody>
       </p:sp>
@@ -5150,7 +5155,7 @@
               <a:pPr/>
               <a:t>‹#›</a:t>
             </a:fld>
-            <a:endParaRPr lang="en-US"/>
+            <a:endParaRPr lang="en-US" dirty="0"/>
           </a:p>
         </p:txBody>
       </p:sp>
@@ -5236,9 +5241,9 @@
             <a:fld id="{B61BEF0D-F0BB-DE4B-95CE-6DB70DBA9567}" type="datetimeFigureOut">
               <a:rPr lang="en-US"/>
               <a:pPr/>
-              <a:t>11/2/19</a:t>
+              <a:t>11/6/19</a:t>
             </a:fld>
-            <a:endParaRPr lang="en-US"/>
+            <a:endParaRPr lang="en-US" dirty="0"/>
           </a:p>
         </p:txBody>
       </p:sp>
@@ -5263,7 +5268,7 @@
           <a:bodyPr/>
           <a:lstStyle/>
           <a:p>
-            <a:endParaRPr lang="en-US"/>
+            <a:endParaRPr lang="en-US" dirty="0"/>
           </a:p>
         </p:txBody>
       </p:sp>
@@ -5293,7 +5298,7 @@
               <a:pPr/>
               <a:t>‹#›</a:t>
             </a:fld>
-            <a:endParaRPr lang="en-US"/>
+            <a:endParaRPr lang="en-US" dirty="0"/>
           </a:p>
         </p:txBody>
       </p:sp>
@@ -5363,9 +5368,9 @@
             <a:fld id="{B61BEF0D-F0BB-DE4B-95CE-6DB70DBA9567}" type="datetimeFigureOut">
               <a:rPr lang="en-US"/>
               <a:pPr/>
-              <a:t>11/2/19</a:t>
+              <a:t>11/6/19</a:t>
             </a:fld>
-            <a:endParaRPr lang="en-US"/>
+            <a:endParaRPr lang="en-US" dirty="0"/>
           </a:p>
         </p:txBody>
       </p:sp>
@@ -5390,7 +5395,7 @@
           <a:bodyPr/>
           <a:lstStyle/>
           <a:p>
-            <a:endParaRPr lang="en-US"/>
+            <a:endParaRPr lang="en-US" dirty="0"/>
           </a:p>
         </p:txBody>
       </p:sp>
@@ -5420,7 +5425,7 @@
               <a:pPr/>
               <a:t>‹#›</a:t>
             </a:fld>
-            <a:endParaRPr lang="en-US"/>
+            <a:endParaRPr lang="en-US" dirty="0"/>
           </a:p>
         </p:txBody>
       </p:sp>
@@ -5688,9 +5693,9 @@
             <a:fld id="{B61BEF0D-F0BB-DE4B-95CE-6DB70DBA9567}" type="datetimeFigureOut">
               <a:rPr lang="en-US"/>
               <a:pPr/>
-              <a:t>11/2/19</a:t>
+              <a:t>11/6/19</a:t>
             </a:fld>
-            <a:endParaRPr lang="en-US"/>
+            <a:endParaRPr lang="en-US" dirty="0"/>
           </a:p>
         </p:txBody>
       </p:sp>
@@ -5715,7 +5720,7 @@
           <a:bodyPr/>
           <a:lstStyle/>
           <a:p>
-            <a:endParaRPr lang="en-US"/>
+            <a:endParaRPr lang="en-US" dirty="0"/>
           </a:p>
         </p:txBody>
       </p:sp>
@@ -5745,7 +5750,7 @@
               <a:pPr/>
               <a:t>‹#›</a:t>
             </a:fld>
-            <a:endParaRPr lang="en-US"/>
+            <a:endParaRPr lang="en-US" dirty="0"/>
           </a:p>
         </p:txBody>
       </p:sp>
@@ -5891,7 +5896,7 @@
             </a:lvl9pPr>
           </a:lstStyle>
           <a:p>
-            <a:endParaRPr lang="en-US"/>
+            <a:endParaRPr lang="en-US" dirty="0"/>
           </a:p>
         </p:txBody>
       </p:sp>
@@ -5990,9 +5995,9 @@
             <a:fld id="{B61BEF0D-F0BB-DE4B-95CE-6DB70DBA9567}" type="datetimeFigureOut">
               <a:rPr lang="en-US"/>
               <a:pPr/>
-              <a:t>11/2/19</a:t>
+              <a:t>11/6/19</a:t>
             </a:fld>
-            <a:endParaRPr lang="en-US"/>
+            <a:endParaRPr lang="en-US" dirty="0"/>
           </a:p>
         </p:txBody>
       </p:sp>
@@ -6017,7 +6022,7 @@
           <a:bodyPr/>
           <a:lstStyle/>
           <a:p>
-            <a:endParaRPr lang="en-US"/>
+            <a:endParaRPr lang="en-US" dirty="0"/>
           </a:p>
         </p:txBody>
       </p:sp>
@@ -6047,7 +6052,7 @@
               <a:pPr/>
               <a:t>‹#›</a:t>
             </a:fld>
-            <a:endParaRPr lang="en-US"/>
+            <a:endParaRPr lang="en-US" dirty="0"/>
           </a:p>
         </p:txBody>
       </p:sp>
@@ -6245,9 +6250,9 @@
             <a:fld id="{B61BEF0D-F0BB-DE4B-95CE-6DB70DBA9567}" type="datetimeFigureOut">
               <a:rPr lang="en-US"/>
               <a:pPr/>
-              <a:t>11/2/19</a:t>
+              <a:t>11/6/19</a:t>
             </a:fld>
-            <a:endParaRPr lang="en-US"/>
+            <a:endParaRPr lang="en-US" dirty="0"/>
           </a:p>
         </p:txBody>
       </p:sp>
@@ -6290,7 +6295,7 @@
             </a:lvl1pPr>
           </a:lstStyle>
           <a:p>
-            <a:endParaRPr lang="en-US"/>
+            <a:endParaRPr lang="en-US" dirty="0"/>
           </a:p>
         </p:txBody>
       </p:sp>
@@ -6338,7 +6343,7 @@
               <a:pPr/>
               <a:t>‹#›</a:t>
             </a:fld>
-            <a:endParaRPr lang="en-US"/>
+            <a:endParaRPr lang="en-US" dirty="0"/>
           </a:p>
         </p:txBody>
       </p:sp>
@@ -6756,6 +6761,894 @@
 </p:sld>
 </file>
 
+<file path=ppt/slides/slide10.xml><?xml version="1.0" encoding="utf-8"?>
+<p:sld xmlns:a="http://schemas.openxmlformats.org/drawingml/2006/main" xmlns:r="http://schemas.openxmlformats.org/officeDocument/2006/relationships" xmlns:p="http://schemas.openxmlformats.org/presentationml/2006/main">
+  <p:cSld>
+    <p:spTree>
+      <p:nvGrpSpPr>
+        <p:cNvPr id="1" name=""/>
+        <p:cNvGrpSpPr/>
+        <p:nvPr/>
+      </p:nvGrpSpPr>
+      <p:grpSpPr>
+        <a:xfrm>
+          <a:off x="0" y="0"/>
+          <a:ext cx="0" cy="0"/>
+          <a:chOff x="0" y="0"/>
+          <a:chExt cx="0" cy="0"/>
+        </a:xfrm>
+      </p:grpSpPr>
+      <p:sp>
+        <p:nvSpPr>
+          <p:cNvPr id="2" name="Title 1">
+            <a:extLst>
+              <a:ext uri="{FF2B5EF4-FFF2-40B4-BE49-F238E27FC236}">
+                <a16:creationId xmlns:a16="http://schemas.microsoft.com/office/drawing/2014/main" id="{D4C2D27A-3E2F-084F-B375-BDB084FA92BC}"/>
+              </a:ext>
+            </a:extLst>
+          </p:cNvPr>
+          <p:cNvSpPr>
+            <a:spLocks noGrp="1"/>
+          </p:cNvSpPr>
+          <p:nvPr>
+            <p:ph type="title"/>
+          </p:nvPr>
+        </p:nvSpPr>
+        <p:spPr/>
+        <p:txBody>
+          <a:bodyPr/>
+          <a:lstStyle/>
+          <a:p>
+            <a:r>
+              <a:rPr lang="en-US" dirty="0"/>
+              <a:t>Task Scheduling and Loop Unrolling</a:t>
+            </a:r>
+          </a:p>
+        </p:txBody>
+      </p:sp>
+      <p:sp>
+        <p:nvSpPr>
+          <p:cNvPr id="3" name="Content Placeholder 2">
+            <a:extLst>
+              <a:ext uri="{FF2B5EF4-FFF2-40B4-BE49-F238E27FC236}">
+                <a16:creationId xmlns:a16="http://schemas.microsoft.com/office/drawing/2014/main" id="{CE4FCDBE-CD42-6345-BB55-757323A24E32}"/>
+              </a:ext>
+            </a:extLst>
+          </p:cNvPr>
+          <p:cNvSpPr>
+            <a:spLocks noGrp="1"/>
+          </p:cNvSpPr>
+          <p:nvPr>
+            <p:ph idx="1"/>
+          </p:nvPr>
+        </p:nvSpPr>
+        <p:spPr/>
+        <p:txBody>
+          <a:bodyPr/>
+          <a:lstStyle/>
+          <a:p>
+            <a:endParaRPr lang="en-US" dirty="0"/>
+          </a:p>
+        </p:txBody>
+      </p:sp>
+    </p:spTree>
+    <p:extLst>
+      <p:ext uri="{BB962C8B-B14F-4D97-AF65-F5344CB8AC3E}">
+        <p14:creationId xmlns:p14="http://schemas.microsoft.com/office/powerpoint/2010/main" val="2606678499"/>
+      </p:ext>
+    </p:extLst>
+  </p:cSld>
+  <p:clrMapOvr>
+    <a:masterClrMapping/>
+  </p:clrMapOvr>
+  <mc:AlternateContent xmlns:mc="http://schemas.openxmlformats.org/markup-compatibility/2006" xmlns:p15="http://schemas.microsoft.com/office/powerpoint/2012/main">
+    <mc:Choice Requires="p15">
+      <p:transition xmlns:p14="http://schemas.microsoft.com/office/powerpoint/2010/main" spd="slow" p14:dur="2000">
+        <p15:prstTrans prst="drape"/>
+      </p:transition>
+    </mc:Choice>
+    <mc:Fallback xmlns="">
+      <p:transition spd="slow">
+        <p:fade/>
+      </p:transition>
+    </mc:Fallback>
+  </mc:AlternateContent>
+</p:sld>
+</file>
+
+<file path=ppt/slides/slide11.xml><?xml version="1.0" encoding="utf-8"?>
+<p:sld xmlns:a="http://schemas.openxmlformats.org/drawingml/2006/main" xmlns:r="http://schemas.openxmlformats.org/officeDocument/2006/relationships" xmlns:p="http://schemas.openxmlformats.org/presentationml/2006/main">
+  <p:cSld>
+    <p:bg>
+      <p:bgPr>
+        <a:solidFill>
+          <a:schemeClr val="bg1"/>
+        </a:solidFill>
+        <a:effectLst/>
+      </p:bgPr>
+    </p:bg>
+    <p:spTree>
+      <p:nvGrpSpPr>
+        <p:cNvPr id="1" name=""/>
+        <p:cNvGrpSpPr/>
+        <p:nvPr/>
+      </p:nvGrpSpPr>
+      <p:grpSpPr>
+        <a:xfrm>
+          <a:off x="0" y="0"/>
+          <a:ext cx="0" cy="0"/>
+          <a:chOff x="0" y="0"/>
+          <a:chExt cx="0" cy="0"/>
+        </a:xfrm>
+      </p:grpSpPr>
+      <p:sp useBgFill="1">
+        <p:nvSpPr>
+          <p:cNvPr id="8" name="Rectangle 7">
+            <a:extLst>
+              <a:ext uri="{FF2B5EF4-FFF2-40B4-BE49-F238E27FC236}">
+                <a16:creationId xmlns:a16="http://schemas.microsoft.com/office/drawing/2014/main" id="{3B854194-185D-494D-905C-7C7CB2E30F6E}"/>
+              </a:ext>
+              <a:ext uri="{C183D7F6-B498-43B3-948B-1728B52AA6E4}">
+                <adec:decorative xmlns:adec="http://schemas.microsoft.com/office/drawing/2017/decorative" val="1"/>
+              </a:ext>
+            </a:extLst>
+          </p:cNvPr>
+          <p:cNvSpPr>
+            <a:spLocks noGrp="1" noRot="1" noChangeAspect="1" noMove="1" noResize="1" noEditPoints="1" noAdjustHandles="1" noChangeArrowheads="1" noChangeShapeType="1" noTextEdit="1"/>
+          </p:cNvSpPr>
+          <p:nvPr>
+            <p:extLst>
+              <p:ext uri="{386F3935-93C4-4BCD-93E2-E3B085C9AB24}">
+                <p16:designElem xmlns:p16="http://schemas.microsoft.com/office/powerpoint/2015/main" val="1"/>
+              </p:ext>
+            </p:extLst>
+          </p:nvPr>
+        </p:nvSpPr>
+        <p:spPr>
+          <a:xfrm>
+            <a:off x="1" y="0"/>
+            <a:ext cx="6082110" cy="6858000"/>
+          </a:xfrm>
+          <a:prstGeom prst="rect">
+            <a:avLst/>
+          </a:prstGeom>
+          <a:ln>
+            <a:noFill/>
+          </a:ln>
+        </p:spPr>
+        <p:style>
+          <a:lnRef idx="2">
+            <a:schemeClr val="accent1">
+              <a:shade val="50000"/>
+            </a:schemeClr>
+          </a:lnRef>
+          <a:fillRef idx="1">
+            <a:schemeClr val="accent1"/>
+          </a:fillRef>
+          <a:effectRef idx="0">
+            <a:schemeClr val="accent1"/>
+          </a:effectRef>
+          <a:fontRef idx="minor">
+            <a:schemeClr val="lt1"/>
+          </a:fontRef>
+        </p:style>
+        <p:txBody>
+          <a:bodyPr rtlCol="0" anchor="ctr"/>
+          <a:lstStyle/>
+          <a:p>
+            <a:pPr algn="ctr"/>
+            <a:endParaRPr lang="en-US" dirty="0"/>
+          </a:p>
+        </p:txBody>
+      </p:sp>
+      <p:sp>
+        <p:nvSpPr>
+          <p:cNvPr id="10" name="Rectangle 9">
+            <a:extLst>
+              <a:ext uri="{FF2B5EF4-FFF2-40B4-BE49-F238E27FC236}">
+                <a16:creationId xmlns:a16="http://schemas.microsoft.com/office/drawing/2014/main" id="{B4F5FA0D-0104-4987-8241-EFF7C85B88DE}"/>
+              </a:ext>
+              <a:ext uri="{C183D7F6-B498-43B3-948B-1728B52AA6E4}">
+                <adec:decorative xmlns:adec="http://schemas.microsoft.com/office/drawing/2017/decorative" val="1"/>
+              </a:ext>
+            </a:extLst>
+          </p:cNvPr>
+          <p:cNvSpPr>
+            <a:spLocks noGrp="1" noRot="1" noChangeAspect="1" noMove="1" noResize="1" noEditPoints="1" noAdjustHandles="1" noChangeArrowheads="1" noChangeShapeType="1" noTextEdit="1"/>
+          </p:cNvSpPr>
+          <p:nvPr>
+            <p:extLst>
+              <p:ext uri="{386F3935-93C4-4BCD-93E2-E3B085C9AB24}">
+                <p16:designElem xmlns:p16="http://schemas.microsoft.com/office/powerpoint/2015/main" val="1"/>
+              </p:ext>
+            </p:extLst>
+          </p:nvPr>
+        </p:nvSpPr>
+        <p:spPr>
+          <a:xfrm>
+            <a:off x="1" y="0"/>
+            <a:ext cx="12191998" cy="6858000"/>
+          </a:xfrm>
+          <a:prstGeom prst="rect">
+            <a:avLst/>
+          </a:prstGeom>
+          <a:gradFill>
+            <a:gsLst>
+              <a:gs pos="0">
+                <a:schemeClr val="accent1">
+                  <a:lumMod val="90000"/>
+                </a:schemeClr>
+              </a:gs>
+              <a:gs pos="25000">
+                <a:schemeClr val="accent1">
+                  <a:lumMod val="90000"/>
+                </a:schemeClr>
+              </a:gs>
+              <a:gs pos="94000">
+                <a:schemeClr val="bg2">
+                  <a:lumMod val="25000"/>
+                </a:schemeClr>
+              </a:gs>
+              <a:gs pos="100000">
+                <a:schemeClr val="bg2">
+                  <a:lumMod val="25000"/>
+                </a:schemeClr>
+              </a:gs>
+            </a:gsLst>
+            <a:lin ang="4200000" scaled="0"/>
+          </a:gradFill>
+          <a:ln>
+            <a:noFill/>
+          </a:ln>
+        </p:spPr>
+        <p:style>
+          <a:lnRef idx="2">
+            <a:schemeClr val="accent1">
+              <a:shade val="50000"/>
+            </a:schemeClr>
+          </a:lnRef>
+          <a:fillRef idx="1">
+            <a:schemeClr val="accent1"/>
+          </a:fillRef>
+          <a:effectRef idx="0">
+            <a:schemeClr val="accent1"/>
+          </a:effectRef>
+          <a:fontRef idx="minor">
+            <a:schemeClr val="lt1"/>
+          </a:fontRef>
+        </p:style>
+        <p:txBody>
+          <a:bodyPr rtlCol="0" anchor="ctr"/>
+          <a:lstStyle/>
+          <a:p>
+            <a:pPr algn="ctr"/>
+            <a:endParaRPr lang="en-US" dirty="0"/>
+          </a:p>
+        </p:txBody>
+      </p:sp>
+      <p:pic>
+        <p:nvPicPr>
+          <p:cNvPr id="12" name="Picture 11">
+            <a:extLst>
+              <a:ext uri="{FF2B5EF4-FFF2-40B4-BE49-F238E27FC236}">
+                <a16:creationId xmlns:a16="http://schemas.microsoft.com/office/drawing/2014/main" id="{2897127E-6CEF-446C-BE87-93B7C46E49D1}"/>
+              </a:ext>
+              <a:ext uri="{C183D7F6-B498-43B3-948B-1728B52AA6E4}">
+                <adec:decorative xmlns:adec="http://schemas.microsoft.com/office/drawing/2017/decorative" val="1"/>
+              </a:ext>
+            </a:extLst>
+          </p:cNvPr>
+          <p:cNvPicPr>
+            <a:picLocks noGrp="1" noRot="1" noChangeAspect="1" noMove="1" noResize="1" noEditPoints="1" noAdjustHandles="1" noChangeArrowheads="1" noChangeShapeType="1" noCrop="1"/>
+          </p:cNvPicPr>
+          <p:nvPr>
+            <p:extLst>
+              <p:ext uri="{386F3935-93C4-4BCD-93E2-E3B085C9AB24}">
+                <p16:designElem xmlns:p16="http://schemas.microsoft.com/office/powerpoint/2015/main" val="1"/>
+              </p:ext>
+            </p:extLst>
+          </p:nvPr>
+        </p:nvPicPr>
+        <p:blipFill>
+          <a:blip r:embed="rId2">
+            <a:extLst>
+              <a:ext uri="{28A0092B-C50C-407E-A947-70E740481C1C}">
+                <a14:useLocalDpi xmlns:a14="http://schemas.microsoft.com/office/drawing/2010/main" val="0"/>
+              </a:ext>
+            </a:extLst>
+          </a:blip>
+          <a:stretch>
+            <a:fillRect/>
+          </a:stretch>
+        </p:blipFill>
+        <p:spPr>
+          <a:xfrm>
+            <a:off x="0" y="0"/>
+            <a:ext cx="12192000" cy="6858000"/>
+          </a:xfrm>
+          <a:prstGeom prst="rect">
+            <a:avLst/>
+          </a:prstGeom>
+        </p:spPr>
+      </p:pic>
+      <p:sp>
+        <p:nvSpPr>
+          <p:cNvPr id="2" name="Title 1">
+            <a:extLst>
+              <a:ext uri="{FF2B5EF4-FFF2-40B4-BE49-F238E27FC236}">
+                <a16:creationId xmlns:a16="http://schemas.microsoft.com/office/drawing/2014/main" id="{8C601C3B-4D47-8348-BC4A-FD48875EDBAC}"/>
+              </a:ext>
+            </a:extLst>
+          </p:cNvPr>
+          <p:cNvSpPr>
+            <a:spLocks noGrp="1"/>
+          </p:cNvSpPr>
+          <p:nvPr>
+            <p:ph type="title"/>
+          </p:nvPr>
+        </p:nvSpPr>
+        <p:spPr>
+          <a:xfrm>
+            <a:off x="640079" y="2053641"/>
+            <a:ext cx="3669161" cy="2760098"/>
+          </a:xfrm>
+        </p:spPr>
+        <p:txBody>
+          <a:bodyPr>
+            <a:normAutofit/>
+          </a:bodyPr>
+          <a:lstStyle/>
+          <a:p>
+            <a:r>
+              <a:rPr lang="en-US" dirty="0">
+                <a:solidFill>
+                  <a:srgbClr val="FFFFFF"/>
+                </a:solidFill>
+              </a:rPr>
+              <a:t>Conclusion</a:t>
+            </a:r>
+          </a:p>
+        </p:txBody>
+      </p:sp>
+      <p:sp>
+        <p:nvSpPr>
+          <p:cNvPr id="3" name="Content Placeholder 2">
+            <a:extLst>
+              <a:ext uri="{FF2B5EF4-FFF2-40B4-BE49-F238E27FC236}">
+                <a16:creationId xmlns:a16="http://schemas.microsoft.com/office/drawing/2014/main" id="{4E96CE26-75BF-634E-9173-A86837E71C55}"/>
+              </a:ext>
+            </a:extLst>
+          </p:cNvPr>
+          <p:cNvSpPr>
+            <a:spLocks noGrp="1"/>
+          </p:cNvSpPr>
+          <p:nvPr>
+            <p:ph idx="1"/>
+          </p:nvPr>
+        </p:nvSpPr>
+        <p:spPr>
+          <a:xfrm>
+            <a:off x="6090574" y="801866"/>
+            <a:ext cx="5306084" cy="5230634"/>
+          </a:xfrm>
+        </p:spPr>
+        <p:txBody>
+          <a:bodyPr anchor="ctr">
+            <a:normAutofit/>
+          </a:bodyPr>
+          <a:lstStyle/>
+          <a:p>
+            <a:r>
+              <a:rPr lang="en-US" sz="2400" dirty="0">
+                <a:solidFill>
+                  <a:srgbClr val="000000"/>
+                </a:solidFill>
+              </a:rPr>
+              <a:t>Parallel programming requires professional software engineering practices, since ad-hoc approaches don’t work.</a:t>
+            </a:r>
+          </a:p>
+          <a:p>
+            <a:r>
+              <a:rPr lang="en-US" sz="2400" dirty="0">
+                <a:solidFill>
+                  <a:srgbClr val="000000"/>
+                </a:solidFill>
+              </a:rPr>
+              <a:t>Parallel and distributed programming can be applied to boost efficiency, dependability, and clarity of design.</a:t>
+            </a:r>
+          </a:p>
+          <a:p>
+            <a:r>
+              <a:rPr lang="en-US" sz="2400" dirty="0">
+                <a:solidFill>
+                  <a:srgbClr val="000000"/>
+                </a:solidFill>
+              </a:rPr>
+              <a:t>It is always best to reuse higher-level concurrency abstractions from mature frameworks.</a:t>
+            </a:r>
+          </a:p>
+          <a:p>
+            <a:r>
+              <a:rPr lang="en-US" sz="2400" dirty="0">
+                <a:solidFill>
+                  <a:srgbClr val="000000"/>
+                </a:solidFill>
+              </a:rPr>
+              <a:t>For Game of Life you should use Golly (http://golly.sourceforge.net).</a:t>
+            </a:r>
+          </a:p>
+        </p:txBody>
+      </p:sp>
+    </p:spTree>
+    <p:extLst>
+      <p:ext uri="{BB962C8B-B14F-4D97-AF65-F5344CB8AC3E}">
+        <p14:creationId xmlns:p14="http://schemas.microsoft.com/office/powerpoint/2010/main" val="2157392188"/>
+      </p:ext>
+    </p:extLst>
+  </p:cSld>
+  <p:clrMapOvr>
+    <a:masterClrMapping/>
+  </p:clrMapOvr>
+  <mc:AlternateContent xmlns:mc="http://schemas.openxmlformats.org/markup-compatibility/2006" xmlns:p15="http://schemas.microsoft.com/office/powerpoint/2012/main">
+    <mc:Choice Requires="p15">
+      <p:transition xmlns:p14="http://schemas.microsoft.com/office/powerpoint/2010/main" spd="slow" p14:dur="2000">
+        <p15:prstTrans prst="drape"/>
+      </p:transition>
+    </mc:Choice>
+    <mc:Fallback xmlns="">
+      <p:transition spd="slow">
+        <p:fade/>
+      </p:transition>
+    </mc:Fallback>
+  </mc:AlternateContent>
+  <p:timing>
+    <p:tnLst>
+      <p:par>
+        <p:cTn id="1" dur="indefinite" restart="never" nodeType="tmRoot">
+          <p:childTnLst>
+            <p:seq concurrent="1" nextAc="seek">
+              <p:cTn id="2" dur="indefinite" nodeType="mainSeq">
+                <p:childTnLst>
+                  <p:par>
+                    <p:cTn id="3" fill="hold">
+                      <p:stCondLst>
+                        <p:cond delay="indefinite"/>
+                      </p:stCondLst>
+                      <p:childTnLst>
+                        <p:par>
+                          <p:cTn id="4" fill="hold">
+                            <p:stCondLst>
+                              <p:cond delay="0"/>
+                            </p:stCondLst>
+                            <p:childTnLst>
+                              <p:par>
+                                <p:cTn id="5" presetID="2" presetClass="entr" presetSubtype="4" fill="hold" grpId="0" nodeType="clickEffect">
+                                  <p:stCondLst>
+                                    <p:cond delay="0"/>
+                                  </p:stCondLst>
+                                  <p:childTnLst>
+                                    <p:set>
+                                      <p:cBhvr>
+                                        <p:cTn id="6" dur="1" fill="hold">
+                                          <p:stCondLst>
+                                            <p:cond delay="0"/>
+                                          </p:stCondLst>
+                                        </p:cTn>
+                                        <p:tgtEl>
+                                          <p:spTgt spid="3">
+                                            <p:txEl>
+                                              <p:pRg st="0" end="0"/>
+                                            </p:txEl>
+                                          </p:spTgt>
+                                        </p:tgtEl>
+                                        <p:attrNameLst>
+                                          <p:attrName>style.visibility</p:attrName>
+                                        </p:attrNameLst>
+                                      </p:cBhvr>
+                                      <p:to>
+                                        <p:strVal val="visible"/>
+                                      </p:to>
+                                    </p:set>
+                                    <p:anim calcmode="lin" valueType="num">
+                                      <p:cBhvr additive="base">
+                                        <p:cTn id="7" dur="500" fill="hold"/>
+                                        <p:tgtEl>
+                                          <p:spTgt spid="3">
+                                            <p:txEl>
+                                              <p:pRg st="0" end="0"/>
+                                            </p:txEl>
+                                          </p:spTgt>
+                                        </p:tgtEl>
+                                        <p:attrNameLst>
+                                          <p:attrName>ppt_x</p:attrName>
+                                        </p:attrNameLst>
+                                      </p:cBhvr>
+                                      <p:tavLst>
+                                        <p:tav tm="0">
+                                          <p:val>
+                                            <p:strVal val="#ppt_x"/>
+                                          </p:val>
+                                        </p:tav>
+                                        <p:tav tm="100000">
+                                          <p:val>
+                                            <p:strVal val="#ppt_x"/>
+                                          </p:val>
+                                        </p:tav>
+                                      </p:tavLst>
+                                    </p:anim>
+                                    <p:anim calcmode="lin" valueType="num">
+                                      <p:cBhvr additive="base">
+                                        <p:cTn id="8" dur="500" fill="hold"/>
+                                        <p:tgtEl>
+                                          <p:spTgt spid="3">
+                                            <p:txEl>
+                                              <p:pRg st="0" end="0"/>
+                                            </p:txEl>
+                                          </p:spTgt>
+                                        </p:tgtEl>
+                                        <p:attrNameLst>
+                                          <p:attrName>ppt_y</p:attrName>
+                                        </p:attrNameLst>
+                                      </p:cBhvr>
+                                      <p:tavLst>
+                                        <p:tav tm="0">
+                                          <p:val>
+                                            <p:strVal val="1+#ppt_h/2"/>
+                                          </p:val>
+                                        </p:tav>
+                                        <p:tav tm="100000">
+                                          <p:val>
+                                            <p:strVal val="#ppt_y"/>
+                                          </p:val>
+                                        </p:tav>
+                                      </p:tavLst>
+                                    </p:anim>
+                                  </p:childTnLst>
+                                </p:cTn>
+                              </p:par>
+                            </p:childTnLst>
+                          </p:cTn>
+                        </p:par>
+                      </p:childTnLst>
+                    </p:cTn>
+                  </p:par>
+                  <p:par>
+                    <p:cTn id="9" fill="hold">
+                      <p:stCondLst>
+                        <p:cond delay="indefinite"/>
+                      </p:stCondLst>
+                      <p:childTnLst>
+                        <p:par>
+                          <p:cTn id="10" fill="hold">
+                            <p:stCondLst>
+                              <p:cond delay="0"/>
+                            </p:stCondLst>
+                            <p:childTnLst>
+                              <p:par>
+                                <p:cTn id="11" presetID="2" presetClass="entr" presetSubtype="4" fill="hold" grpId="0" nodeType="clickEffect">
+                                  <p:stCondLst>
+                                    <p:cond delay="0"/>
+                                  </p:stCondLst>
+                                  <p:childTnLst>
+                                    <p:set>
+                                      <p:cBhvr>
+                                        <p:cTn id="12" dur="1" fill="hold">
+                                          <p:stCondLst>
+                                            <p:cond delay="0"/>
+                                          </p:stCondLst>
+                                        </p:cTn>
+                                        <p:tgtEl>
+                                          <p:spTgt spid="3">
+                                            <p:txEl>
+                                              <p:pRg st="1" end="1"/>
+                                            </p:txEl>
+                                          </p:spTgt>
+                                        </p:tgtEl>
+                                        <p:attrNameLst>
+                                          <p:attrName>style.visibility</p:attrName>
+                                        </p:attrNameLst>
+                                      </p:cBhvr>
+                                      <p:to>
+                                        <p:strVal val="visible"/>
+                                      </p:to>
+                                    </p:set>
+                                    <p:anim calcmode="lin" valueType="num">
+                                      <p:cBhvr additive="base">
+                                        <p:cTn id="13" dur="500" fill="hold"/>
+                                        <p:tgtEl>
+                                          <p:spTgt spid="3">
+                                            <p:txEl>
+                                              <p:pRg st="1" end="1"/>
+                                            </p:txEl>
+                                          </p:spTgt>
+                                        </p:tgtEl>
+                                        <p:attrNameLst>
+                                          <p:attrName>ppt_x</p:attrName>
+                                        </p:attrNameLst>
+                                      </p:cBhvr>
+                                      <p:tavLst>
+                                        <p:tav tm="0">
+                                          <p:val>
+                                            <p:strVal val="#ppt_x"/>
+                                          </p:val>
+                                        </p:tav>
+                                        <p:tav tm="100000">
+                                          <p:val>
+                                            <p:strVal val="#ppt_x"/>
+                                          </p:val>
+                                        </p:tav>
+                                      </p:tavLst>
+                                    </p:anim>
+                                    <p:anim calcmode="lin" valueType="num">
+                                      <p:cBhvr additive="base">
+                                        <p:cTn id="14" dur="500" fill="hold"/>
+                                        <p:tgtEl>
+                                          <p:spTgt spid="3">
+                                            <p:txEl>
+                                              <p:pRg st="1" end="1"/>
+                                            </p:txEl>
+                                          </p:spTgt>
+                                        </p:tgtEl>
+                                        <p:attrNameLst>
+                                          <p:attrName>ppt_y</p:attrName>
+                                        </p:attrNameLst>
+                                      </p:cBhvr>
+                                      <p:tavLst>
+                                        <p:tav tm="0">
+                                          <p:val>
+                                            <p:strVal val="1+#ppt_h/2"/>
+                                          </p:val>
+                                        </p:tav>
+                                        <p:tav tm="100000">
+                                          <p:val>
+                                            <p:strVal val="#ppt_y"/>
+                                          </p:val>
+                                        </p:tav>
+                                      </p:tavLst>
+                                    </p:anim>
+                                  </p:childTnLst>
+                                </p:cTn>
+                              </p:par>
+                            </p:childTnLst>
+                          </p:cTn>
+                        </p:par>
+                      </p:childTnLst>
+                    </p:cTn>
+                  </p:par>
+                  <p:par>
+                    <p:cTn id="15" fill="hold">
+                      <p:stCondLst>
+                        <p:cond delay="indefinite"/>
+                      </p:stCondLst>
+                      <p:childTnLst>
+                        <p:par>
+                          <p:cTn id="16" fill="hold">
+                            <p:stCondLst>
+                              <p:cond delay="0"/>
+                            </p:stCondLst>
+                            <p:childTnLst>
+                              <p:par>
+                                <p:cTn id="17" presetID="2" presetClass="entr" presetSubtype="4" fill="hold" grpId="0" nodeType="clickEffect">
+                                  <p:stCondLst>
+                                    <p:cond delay="0"/>
+                                  </p:stCondLst>
+                                  <p:childTnLst>
+                                    <p:set>
+                                      <p:cBhvr>
+                                        <p:cTn id="18" dur="1" fill="hold">
+                                          <p:stCondLst>
+                                            <p:cond delay="0"/>
+                                          </p:stCondLst>
+                                        </p:cTn>
+                                        <p:tgtEl>
+                                          <p:spTgt spid="3">
+                                            <p:txEl>
+                                              <p:pRg st="2" end="2"/>
+                                            </p:txEl>
+                                          </p:spTgt>
+                                        </p:tgtEl>
+                                        <p:attrNameLst>
+                                          <p:attrName>style.visibility</p:attrName>
+                                        </p:attrNameLst>
+                                      </p:cBhvr>
+                                      <p:to>
+                                        <p:strVal val="visible"/>
+                                      </p:to>
+                                    </p:set>
+                                    <p:anim calcmode="lin" valueType="num">
+                                      <p:cBhvr additive="base">
+                                        <p:cTn id="19" dur="500" fill="hold"/>
+                                        <p:tgtEl>
+                                          <p:spTgt spid="3">
+                                            <p:txEl>
+                                              <p:pRg st="2" end="2"/>
+                                            </p:txEl>
+                                          </p:spTgt>
+                                        </p:tgtEl>
+                                        <p:attrNameLst>
+                                          <p:attrName>ppt_x</p:attrName>
+                                        </p:attrNameLst>
+                                      </p:cBhvr>
+                                      <p:tavLst>
+                                        <p:tav tm="0">
+                                          <p:val>
+                                            <p:strVal val="#ppt_x"/>
+                                          </p:val>
+                                        </p:tav>
+                                        <p:tav tm="100000">
+                                          <p:val>
+                                            <p:strVal val="#ppt_x"/>
+                                          </p:val>
+                                        </p:tav>
+                                      </p:tavLst>
+                                    </p:anim>
+                                    <p:anim calcmode="lin" valueType="num">
+                                      <p:cBhvr additive="base">
+                                        <p:cTn id="20" dur="500" fill="hold"/>
+                                        <p:tgtEl>
+                                          <p:spTgt spid="3">
+                                            <p:txEl>
+                                              <p:pRg st="2" end="2"/>
+                                            </p:txEl>
+                                          </p:spTgt>
+                                        </p:tgtEl>
+                                        <p:attrNameLst>
+                                          <p:attrName>ppt_y</p:attrName>
+                                        </p:attrNameLst>
+                                      </p:cBhvr>
+                                      <p:tavLst>
+                                        <p:tav tm="0">
+                                          <p:val>
+                                            <p:strVal val="1+#ppt_h/2"/>
+                                          </p:val>
+                                        </p:tav>
+                                        <p:tav tm="100000">
+                                          <p:val>
+                                            <p:strVal val="#ppt_y"/>
+                                          </p:val>
+                                        </p:tav>
+                                      </p:tavLst>
+                                    </p:anim>
+                                  </p:childTnLst>
+                                </p:cTn>
+                              </p:par>
+                            </p:childTnLst>
+                          </p:cTn>
+                        </p:par>
+                      </p:childTnLst>
+                    </p:cTn>
+                  </p:par>
+                  <p:par>
+                    <p:cTn id="21" fill="hold">
+                      <p:stCondLst>
+                        <p:cond delay="indefinite"/>
+                      </p:stCondLst>
+                      <p:childTnLst>
+                        <p:par>
+                          <p:cTn id="22" fill="hold">
+                            <p:stCondLst>
+                              <p:cond delay="0"/>
+                            </p:stCondLst>
+                            <p:childTnLst>
+                              <p:par>
+                                <p:cTn id="23" presetID="2" presetClass="entr" presetSubtype="4" fill="hold" grpId="0" nodeType="clickEffect">
+                                  <p:stCondLst>
+                                    <p:cond delay="0"/>
+                                  </p:stCondLst>
+                                  <p:childTnLst>
+                                    <p:set>
+                                      <p:cBhvr>
+                                        <p:cTn id="24" dur="1" fill="hold">
+                                          <p:stCondLst>
+                                            <p:cond delay="0"/>
+                                          </p:stCondLst>
+                                        </p:cTn>
+                                        <p:tgtEl>
+                                          <p:spTgt spid="3">
+                                            <p:txEl>
+                                              <p:pRg st="3" end="3"/>
+                                            </p:txEl>
+                                          </p:spTgt>
+                                        </p:tgtEl>
+                                        <p:attrNameLst>
+                                          <p:attrName>style.visibility</p:attrName>
+                                        </p:attrNameLst>
+                                      </p:cBhvr>
+                                      <p:to>
+                                        <p:strVal val="visible"/>
+                                      </p:to>
+                                    </p:set>
+                                    <p:anim calcmode="lin" valueType="num">
+                                      <p:cBhvr additive="base">
+                                        <p:cTn id="25" dur="500" fill="hold"/>
+                                        <p:tgtEl>
+                                          <p:spTgt spid="3">
+                                            <p:txEl>
+                                              <p:pRg st="3" end="3"/>
+                                            </p:txEl>
+                                          </p:spTgt>
+                                        </p:tgtEl>
+                                        <p:attrNameLst>
+                                          <p:attrName>ppt_x</p:attrName>
+                                        </p:attrNameLst>
+                                      </p:cBhvr>
+                                      <p:tavLst>
+                                        <p:tav tm="0">
+                                          <p:val>
+                                            <p:strVal val="#ppt_x"/>
+                                          </p:val>
+                                        </p:tav>
+                                        <p:tav tm="100000">
+                                          <p:val>
+                                            <p:strVal val="#ppt_x"/>
+                                          </p:val>
+                                        </p:tav>
+                                      </p:tavLst>
+                                    </p:anim>
+                                    <p:anim calcmode="lin" valueType="num">
+                                      <p:cBhvr additive="base">
+                                        <p:cTn id="26" dur="500" fill="hold"/>
+                                        <p:tgtEl>
+                                          <p:spTgt spid="3">
+                                            <p:txEl>
+                                              <p:pRg st="3" end="3"/>
+                                            </p:txEl>
+                                          </p:spTgt>
+                                        </p:tgtEl>
+                                        <p:attrNameLst>
+                                          <p:attrName>ppt_y</p:attrName>
+                                        </p:attrNameLst>
+                                      </p:cBhvr>
+                                      <p:tavLst>
+                                        <p:tav tm="0">
+                                          <p:val>
+                                            <p:strVal val="1+#ppt_h/2"/>
+                                          </p:val>
+                                        </p:tav>
+                                        <p:tav tm="100000">
+                                          <p:val>
+                                            <p:strVal val="#ppt_y"/>
+                                          </p:val>
+                                        </p:tav>
+                                      </p:tavLst>
+                                    </p:anim>
+                                  </p:childTnLst>
+                                </p:cTn>
+                              </p:par>
+                            </p:childTnLst>
+                          </p:cTn>
+                        </p:par>
+                      </p:childTnLst>
+                    </p:cTn>
+                  </p:par>
+                </p:childTnLst>
+              </p:cTn>
+              <p:prevCondLst>
+                <p:cond evt="onPrev" delay="0">
+                  <p:tgtEl>
+                    <p:sldTgt/>
+                  </p:tgtEl>
+                </p:cond>
+              </p:prevCondLst>
+              <p:nextCondLst>
+                <p:cond evt="onNext" delay="0">
+                  <p:tgtEl>
+                    <p:sldTgt/>
+                  </p:tgtEl>
+                </p:cond>
+              </p:nextCondLst>
+            </p:seq>
+          </p:childTnLst>
+        </p:cTn>
+      </p:par>
+    </p:tnLst>
+    <p:bldLst>
+      <p:bldP spid="3" grpId="0" build="p"/>
+    </p:bldLst>
+  </p:timing>
+</p:sld>
+</file>
+
 <file path=ppt/slides/slide2.xml><?xml version="1.0" encoding="utf-8"?>
 <p:sld xmlns:a="http://schemas.openxmlformats.org/drawingml/2006/main" xmlns:r="http://schemas.openxmlformats.org/officeDocument/2006/relationships" xmlns:p="http://schemas.openxmlformats.org/presentationml/2006/main">
   <p:cSld>
@@ -7417,7 +8310,7 @@
                   <a:srgbClr val="000000"/>
                 </a:solidFill>
               </a:rPr>
-              <a:t>Loop-based Parallelism</a:t>
+              <a:t>Loop-based Parallelism with OpenMP</a:t>
             </a:r>
           </a:p>
           <a:p>
@@ -7858,118 +8751,15 @@
                                   </p:childTnLst>
                                 </p:cTn>
                               </p:par>
-                            </p:childTnLst>
-                          </p:cTn>
-                        </p:par>
-                      </p:childTnLst>
-                    </p:cTn>
-                  </p:par>
-                  <p:par>
-                    <p:cTn id="21" fill="hold">
-                      <p:stCondLst>
-                        <p:cond delay="indefinite"/>
-                      </p:stCondLst>
-                      <p:childTnLst>
-                        <p:par>
-                          <p:cTn id="22" fill="hold">
-                            <p:stCondLst>
-                              <p:cond delay="0"/>
-                            </p:stCondLst>
-                            <p:childTnLst>
                               <p:par>
-                                <p:cTn id="23" presetID="2" presetClass="entr" presetSubtype="4" fill="hold" nodeType="clickEffect">
+                                <p:cTn id="21" presetID="2" presetClass="entr" presetSubtype="4" fill="hold" nodeType="withEffect">
                                   <p:stCondLst>
                                     <p:cond delay="0"/>
                                   </p:stCondLst>
                                   <p:childTnLst>
                                     <p:set>
                                       <p:cBhvr>
-                                        <p:cTn id="24" dur="1" fill="hold">
-                                          <p:stCondLst>
-                                            <p:cond delay="0"/>
-                                          </p:stCondLst>
-                                        </p:cTn>
-                                        <p:tgtEl>
-                                          <p:spTgt spid="3">
-                                            <p:txEl>
-                                              <p:pRg st="0" end="0"/>
-                                            </p:txEl>
-                                          </p:spTgt>
-                                        </p:tgtEl>
-                                        <p:attrNameLst>
-                                          <p:attrName>style.visibility</p:attrName>
-                                        </p:attrNameLst>
-                                      </p:cBhvr>
-                                      <p:to>
-                                        <p:strVal val="visible"/>
-                                      </p:to>
-                                    </p:set>
-                                    <p:anim calcmode="lin" valueType="num">
-                                      <p:cBhvr additive="base">
-                                        <p:cTn id="25" dur="500" fill="hold"/>
-                                        <p:tgtEl>
-                                          <p:spTgt spid="3">
-                                            <p:txEl>
-                                              <p:pRg st="0" end="0"/>
-                                            </p:txEl>
-                                          </p:spTgt>
-                                        </p:tgtEl>
-                                        <p:attrNameLst>
-                                          <p:attrName>ppt_x</p:attrName>
-                                        </p:attrNameLst>
-                                      </p:cBhvr>
-                                      <p:tavLst>
-                                        <p:tav tm="0">
-                                          <p:val>
-                                            <p:strVal val="#ppt_x"/>
-                                          </p:val>
-                                        </p:tav>
-                                        <p:tav tm="100000">
-                                          <p:val>
-                                            <p:strVal val="#ppt_x"/>
-                                          </p:val>
-                                        </p:tav>
-                                      </p:tavLst>
-                                    </p:anim>
-                                    <p:anim calcmode="lin" valueType="num">
-                                      <p:cBhvr additive="base">
-                                        <p:cTn id="26" dur="500" fill="hold"/>
-                                        <p:tgtEl>
-                                          <p:spTgt spid="3">
-                                            <p:txEl>
-                                              <p:pRg st="0" end="0"/>
-                                            </p:txEl>
-                                          </p:spTgt>
-                                        </p:tgtEl>
-                                        <p:attrNameLst>
-                                          <p:attrName>ppt_y</p:attrName>
-                                        </p:attrNameLst>
-                                      </p:cBhvr>
-                                      <p:tavLst>
-                                        <p:tav tm="0">
-                                          <p:val>
-                                            <p:strVal val="1+#ppt_h/2"/>
-                                          </p:val>
-                                        </p:tav>
-                                        <p:tav tm="100000">
-                                          <p:val>
-                                            <p:strVal val="#ppt_y"/>
-                                          </p:val>
-                                        </p:tav>
-                                      </p:tavLst>
-                                    </p:anim>
-                                  </p:childTnLst>
-                                </p:cTn>
-                              </p:par>
-                              <p:par>
-                                <p:cTn id="27" presetID="2" presetClass="entr" presetSubtype="4" fill="hold" nodeType="withEffect">
-                                  <p:stCondLst>
-                                    <p:cond delay="0"/>
-                                  </p:stCondLst>
-                                  <p:childTnLst>
-                                    <p:set>
-                                      <p:cBhvr>
-                                        <p:cTn id="28" dur="1" fill="hold">
+                                        <p:cTn id="22" dur="1" fill="hold">
                                           <p:stCondLst>
                                             <p:cond delay="0"/>
                                           </p:stCondLst>
@@ -7991,7 +8781,7 @@
                                     </p:set>
                                     <p:anim calcmode="lin" valueType="num">
                                       <p:cBhvr additive="base">
-                                        <p:cTn id="29" dur="500" fill="hold"/>
+                                        <p:cTn id="23" dur="500" fill="hold"/>
                                         <p:tgtEl>
                                           <p:spTgt spid="3">
                                             <p:txEl>
@@ -8018,7 +8808,7 @@
                                     </p:anim>
                                     <p:anim calcmode="lin" valueType="num">
                                       <p:cBhvr additive="base">
-                                        <p:cTn id="30" dur="500" fill="hold"/>
+                                        <p:cTn id="24" dur="500" fill="hold"/>
                                         <p:tgtEl>
                                           <p:spTgt spid="3">
                                             <p:txEl>
@@ -8047,14 +8837,14 @@
                                 </p:cTn>
                               </p:par>
                               <p:par>
-                                <p:cTn id="31" presetID="2" presetClass="entr" presetSubtype="4" fill="hold" nodeType="withEffect">
+                                <p:cTn id="25" presetID="2" presetClass="entr" presetSubtype="4" fill="hold" nodeType="withEffect">
                                   <p:stCondLst>
                                     <p:cond delay="0"/>
                                   </p:stCondLst>
                                   <p:childTnLst>
                                     <p:set>
                                       <p:cBhvr>
-                                        <p:cTn id="32" dur="1" fill="hold">
+                                        <p:cTn id="26" dur="1" fill="hold">
                                           <p:stCondLst>
                                             <p:cond delay="0"/>
                                           </p:stCondLst>
@@ -8076,7 +8866,7 @@
                                     </p:set>
                                     <p:anim calcmode="lin" valueType="num">
                                       <p:cBhvr additive="base">
-                                        <p:cTn id="33" dur="500" fill="hold"/>
+                                        <p:cTn id="27" dur="500" fill="hold"/>
                                         <p:tgtEl>
                                           <p:spTgt spid="3">
                                             <p:txEl>
@@ -8103,7 +8893,7 @@
                                     </p:anim>
                                     <p:anim calcmode="lin" valueType="num">
                                       <p:cBhvr additive="base">
-                                        <p:cTn id="34" dur="500" fill="hold"/>
+                                        <p:cTn id="28" dur="500" fill="hold"/>
                                         <p:tgtEl>
                                           <p:spTgt spid="3">
                                             <p:txEl>
@@ -8132,14 +8922,14 @@
                                 </p:cTn>
                               </p:par>
                               <p:par>
-                                <p:cTn id="35" presetID="2" presetClass="entr" presetSubtype="4" fill="hold" nodeType="withEffect">
+                                <p:cTn id="29" presetID="2" presetClass="entr" presetSubtype="4" fill="hold" nodeType="withEffect">
                                   <p:stCondLst>
                                     <p:cond delay="0"/>
                                   </p:stCondLst>
                                   <p:childTnLst>
                                     <p:set>
                                       <p:cBhvr>
-                                        <p:cTn id="36" dur="1" fill="hold">
+                                        <p:cTn id="30" dur="1" fill="hold">
                                           <p:stCondLst>
                                             <p:cond delay="0"/>
                                           </p:stCondLst>
@@ -8161,7 +8951,7 @@
                                     </p:set>
                                     <p:anim calcmode="lin" valueType="num">
                                       <p:cBhvr additive="base">
-                                        <p:cTn id="37" dur="500" fill="hold"/>
+                                        <p:cTn id="31" dur="500" fill="hold"/>
                                         <p:tgtEl>
                                           <p:spTgt spid="3">
                                             <p:txEl>
@@ -8188,7 +8978,7 @@
                                     </p:anim>
                                     <p:anim calcmode="lin" valueType="num">
                                       <p:cBhvr additive="base">
-                                        <p:cTn id="38" dur="500" fill="hold"/>
+                                        <p:cTn id="32" dur="500" fill="hold"/>
                                         <p:tgtEl>
                                           <p:spTgt spid="3">
                                             <p:txEl>
@@ -8216,15 +9006,33 @@
                                   </p:childTnLst>
                                 </p:cTn>
                               </p:par>
+                            </p:childTnLst>
+                          </p:cTn>
+                        </p:par>
+                      </p:childTnLst>
+                    </p:cTn>
+                  </p:par>
+                  <p:par>
+                    <p:cTn id="33" fill="hold">
+                      <p:stCondLst>
+                        <p:cond delay="indefinite"/>
+                      </p:stCondLst>
+                      <p:childTnLst>
+                        <p:par>
+                          <p:cTn id="34" fill="hold">
+                            <p:stCondLst>
+                              <p:cond delay="0"/>
+                            </p:stCondLst>
+                            <p:childTnLst>
                               <p:par>
-                                <p:cTn id="39" presetID="2" presetClass="entr" presetSubtype="4" fill="hold" nodeType="withEffect">
+                                <p:cTn id="35" presetID="2" presetClass="entr" presetSubtype="4" fill="hold" nodeType="clickEffect">
                                   <p:stCondLst>
                                     <p:cond delay="0"/>
                                   </p:stCondLst>
                                   <p:childTnLst>
                                     <p:set>
                                       <p:cBhvr>
-                                        <p:cTn id="40" dur="1" fill="hold">
+                                        <p:cTn id="36" dur="1" fill="hold">
                                           <p:stCondLst>
                                             <p:cond delay="0"/>
                                           </p:stCondLst>
@@ -8246,7 +9054,7 @@
                                     </p:set>
                                     <p:anim calcmode="lin" valueType="num">
                                       <p:cBhvr additive="base">
-                                        <p:cTn id="41" dur="500" fill="hold"/>
+                                        <p:cTn id="37" dur="500" fill="hold"/>
                                         <p:tgtEl>
                                           <p:spTgt spid="3">
                                             <p:txEl>
@@ -8273,7 +9081,7 @@
                                     </p:anim>
                                     <p:anim calcmode="lin" valueType="num">
                                       <p:cBhvr additive="base">
-                                        <p:cTn id="42" dur="500" fill="hold"/>
+                                        <p:cTn id="38" dur="500" fill="hold"/>
                                         <p:tgtEl>
                                           <p:spTgt spid="3">
                                             <p:txEl>
@@ -8308,26 +9116,26 @@
                     </p:cTn>
                   </p:par>
                   <p:par>
-                    <p:cTn id="43" fill="hold">
+                    <p:cTn id="39" fill="hold">
                       <p:stCondLst>
                         <p:cond delay="indefinite"/>
                       </p:stCondLst>
                       <p:childTnLst>
                         <p:par>
-                          <p:cTn id="44" fill="hold">
+                          <p:cTn id="40" fill="hold">
                             <p:stCondLst>
                               <p:cond delay="0"/>
                             </p:stCondLst>
                             <p:childTnLst>
                               <p:par>
-                                <p:cTn id="45" presetID="2" presetClass="entr" presetSubtype="4" fill="hold" nodeType="clickEffect">
+                                <p:cTn id="41" presetID="2" presetClass="entr" presetSubtype="4" fill="hold" nodeType="clickEffect">
                                   <p:stCondLst>
                                     <p:cond delay="0"/>
                                   </p:stCondLst>
                                   <p:childTnLst>
                                     <p:set>
                                       <p:cBhvr>
-                                        <p:cTn id="46" dur="1" fill="hold">
+                                        <p:cTn id="42" dur="1" fill="hold">
                                           <p:stCondLst>
                                             <p:cond delay="0"/>
                                           </p:stCondLst>
@@ -8349,7 +9157,7 @@
                                     </p:set>
                                     <p:anim calcmode="lin" valueType="num">
                                       <p:cBhvr additive="base">
-                                        <p:cTn id="47" dur="500" fill="hold"/>
+                                        <p:cTn id="43" dur="500" fill="hold"/>
                                         <p:tgtEl>
                                           <p:spTgt spid="3">
                                             <p:txEl>
@@ -8376,11 +9184,96 @@
                                     </p:anim>
                                     <p:anim calcmode="lin" valueType="num">
                                       <p:cBhvr additive="base">
+                                        <p:cTn id="44" dur="500" fill="hold"/>
+                                        <p:tgtEl>
+                                          <p:spTgt spid="3">
+                                            <p:txEl>
+                                              <p:pRg st="5" end="5"/>
+                                            </p:txEl>
+                                          </p:spTgt>
+                                        </p:tgtEl>
+                                        <p:attrNameLst>
+                                          <p:attrName>ppt_y</p:attrName>
+                                        </p:attrNameLst>
+                                      </p:cBhvr>
+                                      <p:tavLst>
+                                        <p:tav tm="0">
+                                          <p:val>
+                                            <p:strVal val="1+#ppt_h/2"/>
+                                          </p:val>
+                                        </p:tav>
+                                        <p:tav tm="100000">
+                                          <p:val>
+                                            <p:strVal val="#ppt_y"/>
+                                          </p:val>
+                                        </p:tav>
+                                      </p:tavLst>
+                                    </p:anim>
+                                  </p:childTnLst>
+                                </p:cTn>
+                              </p:par>
+                              <p:par>
+                                <p:cTn id="45" presetID="2" presetClass="entr" presetSubtype="4" fill="hold" nodeType="withEffect">
+                                  <p:stCondLst>
+                                    <p:cond delay="0"/>
+                                  </p:stCondLst>
+                                  <p:childTnLst>
+                                    <p:set>
+                                      <p:cBhvr>
+                                        <p:cTn id="46" dur="1" fill="hold">
+                                          <p:stCondLst>
+                                            <p:cond delay="0"/>
+                                          </p:stCondLst>
+                                        </p:cTn>
+                                        <p:tgtEl>
+                                          <p:spTgt spid="3">
+                                            <p:txEl>
+                                              <p:pRg st="6" end="6"/>
+                                            </p:txEl>
+                                          </p:spTgt>
+                                        </p:tgtEl>
+                                        <p:attrNameLst>
+                                          <p:attrName>style.visibility</p:attrName>
+                                        </p:attrNameLst>
+                                      </p:cBhvr>
+                                      <p:to>
+                                        <p:strVal val="visible"/>
+                                      </p:to>
+                                    </p:set>
+                                    <p:anim calcmode="lin" valueType="num">
+                                      <p:cBhvr additive="base">
+                                        <p:cTn id="47" dur="500" fill="hold"/>
+                                        <p:tgtEl>
+                                          <p:spTgt spid="3">
+                                            <p:txEl>
+                                              <p:pRg st="6" end="6"/>
+                                            </p:txEl>
+                                          </p:spTgt>
+                                        </p:tgtEl>
+                                        <p:attrNameLst>
+                                          <p:attrName>ppt_x</p:attrName>
+                                        </p:attrNameLst>
+                                      </p:cBhvr>
+                                      <p:tavLst>
+                                        <p:tav tm="0">
+                                          <p:val>
+                                            <p:strVal val="#ppt_x"/>
+                                          </p:val>
+                                        </p:tav>
+                                        <p:tav tm="100000">
+                                          <p:val>
+                                            <p:strVal val="#ppt_x"/>
+                                          </p:val>
+                                        </p:tav>
+                                      </p:tavLst>
+                                    </p:anim>
+                                    <p:anim calcmode="lin" valueType="num">
+                                      <p:cBhvr additive="base">
                                         <p:cTn id="48" dur="500" fill="hold"/>
                                         <p:tgtEl>
                                           <p:spTgt spid="3">
                                             <p:txEl>
-                                              <p:pRg st="5" end="5"/>
+                                              <p:pRg st="6" end="6"/>
                                             </p:txEl>
                                           </p:spTgt>
                                         </p:tgtEl>
@@ -8420,7 +9313,7 @@
                                         <p:tgtEl>
                                           <p:spTgt spid="3">
                                             <p:txEl>
-                                              <p:pRg st="6" end="6"/>
+                                              <p:pRg st="7" end="7"/>
                                             </p:txEl>
                                           </p:spTgt>
                                         </p:tgtEl>
@@ -8438,7 +9331,7 @@
                                         <p:tgtEl>
                                           <p:spTgt spid="3">
                                             <p:txEl>
-                                              <p:pRg st="6" end="6"/>
+                                              <p:pRg st="7" end="7"/>
                                             </p:txEl>
                                           </p:spTgt>
                                         </p:tgtEl>
@@ -8465,7 +9358,7 @@
                                         <p:tgtEl>
                                           <p:spTgt spid="3">
                                             <p:txEl>
-                                              <p:pRg st="6" end="6"/>
+                                              <p:pRg st="7" end="7"/>
                                             </p:txEl>
                                           </p:spTgt>
                                         </p:tgtEl>
@@ -8505,7 +9398,7 @@
                                         <p:tgtEl>
                                           <p:spTgt spid="3">
                                             <p:txEl>
-                                              <p:pRg st="7" end="7"/>
+                                              <p:pRg st="8" end="8"/>
                                             </p:txEl>
                                           </p:spTgt>
                                         </p:tgtEl>
@@ -8523,7 +9416,7 @@
                                         <p:tgtEl>
                                           <p:spTgt spid="3">
                                             <p:txEl>
-                                              <p:pRg st="7" end="7"/>
+                                              <p:pRg st="8" end="8"/>
                                             </p:txEl>
                                           </p:spTgt>
                                         </p:tgtEl>
@@ -8550,7 +9443,7 @@
                                         <p:tgtEl>
                                           <p:spTgt spid="3">
                                             <p:txEl>
-                                              <p:pRg st="7" end="7"/>
+                                              <p:pRg st="8" end="8"/>
                                             </p:txEl>
                                           </p:spTgt>
                                         </p:tgtEl>
@@ -8590,7 +9483,7 @@
                                         <p:tgtEl>
                                           <p:spTgt spid="3">
                                             <p:txEl>
-                                              <p:pRg st="8" end="8"/>
+                                              <p:pRg st="9" end="9"/>
                                             </p:txEl>
                                           </p:spTgt>
                                         </p:tgtEl>
@@ -8605,91 +9498,6 @@
                                     <p:anim calcmode="lin" valueType="num">
                                       <p:cBhvr additive="base">
                                         <p:cTn id="59" dur="500" fill="hold"/>
-                                        <p:tgtEl>
-                                          <p:spTgt spid="3">
-                                            <p:txEl>
-                                              <p:pRg st="8" end="8"/>
-                                            </p:txEl>
-                                          </p:spTgt>
-                                        </p:tgtEl>
-                                        <p:attrNameLst>
-                                          <p:attrName>ppt_x</p:attrName>
-                                        </p:attrNameLst>
-                                      </p:cBhvr>
-                                      <p:tavLst>
-                                        <p:tav tm="0">
-                                          <p:val>
-                                            <p:strVal val="#ppt_x"/>
-                                          </p:val>
-                                        </p:tav>
-                                        <p:tav tm="100000">
-                                          <p:val>
-                                            <p:strVal val="#ppt_x"/>
-                                          </p:val>
-                                        </p:tav>
-                                      </p:tavLst>
-                                    </p:anim>
-                                    <p:anim calcmode="lin" valueType="num">
-                                      <p:cBhvr additive="base">
-                                        <p:cTn id="60" dur="500" fill="hold"/>
-                                        <p:tgtEl>
-                                          <p:spTgt spid="3">
-                                            <p:txEl>
-                                              <p:pRg st="8" end="8"/>
-                                            </p:txEl>
-                                          </p:spTgt>
-                                        </p:tgtEl>
-                                        <p:attrNameLst>
-                                          <p:attrName>ppt_y</p:attrName>
-                                        </p:attrNameLst>
-                                      </p:cBhvr>
-                                      <p:tavLst>
-                                        <p:tav tm="0">
-                                          <p:val>
-                                            <p:strVal val="1+#ppt_h/2"/>
-                                          </p:val>
-                                        </p:tav>
-                                        <p:tav tm="100000">
-                                          <p:val>
-                                            <p:strVal val="#ppt_y"/>
-                                          </p:val>
-                                        </p:tav>
-                                      </p:tavLst>
-                                    </p:anim>
-                                  </p:childTnLst>
-                                </p:cTn>
-                              </p:par>
-                              <p:par>
-                                <p:cTn id="61" presetID="2" presetClass="entr" presetSubtype="4" fill="hold" nodeType="withEffect">
-                                  <p:stCondLst>
-                                    <p:cond delay="0"/>
-                                  </p:stCondLst>
-                                  <p:childTnLst>
-                                    <p:set>
-                                      <p:cBhvr>
-                                        <p:cTn id="62" dur="1" fill="hold">
-                                          <p:stCondLst>
-                                            <p:cond delay="0"/>
-                                          </p:stCondLst>
-                                        </p:cTn>
-                                        <p:tgtEl>
-                                          <p:spTgt spid="3">
-                                            <p:txEl>
-                                              <p:pRg st="9" end="9"/>
-                                            </p:txEl>
-                                          </p:spTgt>
-                                        </p:tgtEl>
-                                        <p:attrNameLst>
-                                          <p:attrName>style.visibility</p:attrName>
-                                        </p:attrNameLst>
-                                      </p:cBhvr>
-                                      <p:to>
-                                        <p:strVal val="visible"/>
-                                      </p:to>
-                                    </p:set>
-                                    <p:anim calcmode="lin" valueType="num">
-                                      <p:cBhvr additive="base">
-                                        <p:cTn id="63" dur="500" fill="hold"/>
                                         <p:tgtEl>
                                           <p:spTgt spid="3">
                                             <p:txEl>
@@ -8716,7 +9524,7 @@
                                     </p:anim>
                                     <p:anim calcmode="lin" valueType="num">
                                       <p:cBhvr additive="base">
-                                        <p:cTn id="64" dur="500" fill="hold"/>
+                                        <p:cTn id="60" dur="500" fill="hold"/>
                                         <p:tgtEl>
                                           <p:spTgt spid="3">
                                             <p:txEl>
@@ -8772,7 +9580,7 @@
       </p:par>
     </p:tnLst>
     <p:bldLst>
-      <p:bldP spid="3" grpId="0" build="p"/>
+      <p:bldP spid="3" grpId="0" uiExpand="1" build="p"/>
     </p:bldLst>
   </p:timing>
 </p:sld>
@@ -9678,7 +10486,7 @@
               <a:tabLst/>
               <a:defRPr/>
             </a:pPr>
-            <a:endParaRPr kumimoji="0" lang="en-US" sz="1800" b="0" i="0" u="none" strike="noStrike" kern="1200" cap="none" spc="0" normalizeH="0" baseline="0" noProof="0">
+            <a:endParaRPr kumimoji="0" lang="en-US" sz="1800" b="0" i="0" u="none" strike="noStrike" kern="1200" cap="none" spc="0" normalizeH="0" baseline="0" noProof="0" dirty="0">
               <a:ln>
                 <a:noFill/>
               </a:ln>
@@ -10138,7 +10946,7 @@
           <a:lstStyle/>
           <a:p>
             <a:r>
-              <a:rPr lang="en-US" sz="4000">
+              <a:rPr lang="en-US" sz="4000" dirty="0">
                 <a:solidFill>
                   <a:srgbClr val="FFFFFF"/>
                 </a:solidFill>
@@ -10164,7 +10972,7 @@
             <p:ph idx="1"/>
             <p:extLst>
               <p:ext uri="{D42A27DB-BD31-4B8C-83A1-F6EECF244321}">
-                <p14:modId xmlns:p14="http://schemas.microsoft.com/office/powerpoint/2010/main" val="973542525"/>
+                <p14:modId xmlns:p14="http://schemas.microsoft.com/office/powerpoint/2010/main" val="1728346993"/>
               </p:ext>
             </p:extLst>
           </p:nvPr>
@@ -10229,12 +11037,206 @@
           <a:chExt cx="0" cy="0"/>
         </a:xfrm>
       </p:grpSpPr>
-      <p:sp useBgFill="1">
+      <p:sp>
         <p:nvSpPr>
-          <p:cNvPr id="8" name="Rectangle 7">
+          <p:cNvPr id="2" name="Title 1">
             <a:extLst>
               <a:ext uri="{FF2B5EF4-FFF2-40B4-BE49-F238E27FC236}">
-                <a16:creationId xmlns:a16="http://schemas.microsoft.com/office/drawing/2014/main" id="{3B854194-185D-494D-905C-7C7CB2E30F6E}"/>
+                <a16:creationId xmlns:a16="http://schemas.microsoft.com/office/drawing/2014/main" id="{A8F8DC18-E056-9B4F-A136-9DC6EB307F30}"/>
+              </a:ext>
+            </a:extLst>
+          </p:cNvPr>
+          <p:cNvSpPr>
+            <a:spLocks noGrp="1"/>
+          </p:cNvSpPr>
+          <p:nvPr>
+            <p:ph type="title"/>
+          </p:nvPr>
+        </p:nvSpPr>
+        <p:spPr>
+          <a:xfrm>
+            <a:off x="1136428" y="627564"/>
+            <a:ext cx="7474172" cy="1325563"/>
+          </a:xfrm>
+        </p:spPr>
+        <p:txBody>
+          <a:bodyPr>
+            <a:normAutofit/>
+          </a:bodyPr>
+          <a:lstStyle/>
+          <a:p>
+            <a:r>
+              <a:rPr lang="en-US" sz="4400" dirty="0"/>
+              <a:t>Gustafson’s Law</a:t>
+            </a:r>
+          </a:p>
+        </p:txBody>
+      </p:sp>
+      <mc:AlternateContent xmlns:mc="http://schemas.openxmlformats.org/markup-compatibility/2006" xmlns:a14="http://schemas.microsoft.com/office/drawing/2010/main">
+        <mc:Choice Requires="a14">
+          <p:sp>
+            <p:nvSpPr>
+              <p:cNvPr id="3" name="Content Placeholder 2">
+                <a:extLst>
+                  <a:ext uri="{FF2B5EF4-FFF2-40B4-BE49-F238E27FC236}">
+                    <a16:creationId xmlns:a16="http://schemas.microsoft.com/office/drawing/2014/main" id="{127697FE-522C-0646-B082-06EFEC48FB2B}"/>
+                  </a:ext>
+                </a:extLst>
+              </p:cNvPr>
+              <p:cNvSpPr>
+                <a:spLocks noGrp="1"/>
+              </p:cNvSpPr>
+              <p:nvPr>
+                <p:ph idx="1"/>
+              </p:nvPr>
+            </p:nvSpPr>
+            <p:spPr>
+              <a:xfrm>
+                <a:off x="1136429" y="2278173"/>
+                <a:ext cx="6467867" cy="3450613"/>
+              </a:xfrm>
+            </p:spPr>
+            <p:txBody>
+              <a:bodyPr anchor="ctr">
+                <a:normAutofit/>
+              </a:bodyPr>
+              <a:lstStyle/>
+              <a:p>
+                <a:r>
+                  <a:rPr lang="en-US" sz="2400" dirty="0"/>
+                  <a:t>If we increase the number of processors, then bigger problems can be solved in the same amount of time as smaller ones.</a:t>
+                </a:r>
+              </a:p>
+              <a:p>
+                <a14:m>
+                  <m:oMath xmlns:m="http://schemas.openxmlformats.org/officeDocument/2006/math">
+                    <m:r>
+                      <a:rPr lang="en-US" sz="2400" b="0" i="1">
+                        <a:latin typeface="Cambria Math" panose="02040503050406030204" pitchFamily="18" charset="0"/>
+                      </a:rPr>
+                      <m:t>𝑆</m:t>
+                    </m:r>
+                    <m:r>
+                      <a:rPr lang="en-US" sz="2400" b="0" i="1">
+                        <a:latin typeface="Cambria Math" panose="02040503050406030204" pitchFamily="18" charset="0"/>
+                      </a:rPr>
+                      <m:t>=</m:t>
+                    </m:r>
+                    <m:r>
+                      <a:rPr lang="en-US" sz="2400" b="0" i="1">
+                        <a:latin typeface="Cambria Math" panose="02040503050406030204" pitchFamily="18" charset="0"/>
+                      </a:rPr>
+                      <m:t>𝑃</m:t>
+                    </m:r>
+                    <m:r>
+                      <a:rPr lang="en-US" sz="2400" b="0" i="1">
+                        <a:latin typeface="Cambria Math" panose="02040503050406030204" pitchFamily="18" charset="0"/>
+                      </a:rPr>
+                      <m:t>−(1−</m:t>
+                    </m:r>
+                    <m:sSub>
+                      <m:sSubPr>
+                        <m:ctrlPr>
+                          <a:rPr lang="en-US" sz="2400" b="0" i="1">
+                            <a:latin typeface="Cambria Math" panose="02040503050406030204" pitchFamily="18" charset="0"/>
+                          </a:rPr>
+                        </m:ctrlPr>
+                      </m:sSubPr>
+                      <m:e>
+                        <m:r>
+                          <a:rPr lang="en-US" sz="2400" b="0" i="1">
+                            <a:latin typeface="Cambria Math" panose="02040503050406030204" pitchFamily="18" charset="0"/>
+                          </a:rPr>
+                          <m:t>𝑓</m:t>
+                        </m:r>
+                      </m:e>
+                      <m:sub>
+                        <m:r>
+                          <a:rPr lang="en-US" sz="2400" b="0" i="1">
+                            <a:latin typeface="Cambria Math" panose="02040503050406030204" pitchFamily="18" charset="0"/>
+                          </a:rPr>
+                          <m:t>𝑝𝑎𝑟</m:t>
+                        </m:r>
+                      </m:sub>
+                    </m:sSub>
+                    <m:r>
+                      <a:rPr lang="en-US" sz="2400" b="0" i="1">
+                        <a:latin typeface="Cambria Math" panose="02040503050406030204" pitchFamily="18" charset="0"/>
+                      </a:rPr>
+                      <m:t>)(</m:t>
+                    </m:r>
+                    <m:r>
+                      <a:rPr lang="en-US" sz="2400" b="0" i="1">
+                        <a:latin typeface="Cambria Math" panose="02040503050406030204" pitchFamily="18" charset="0"/>
+                      </a:rPr>
+                      <m:t>𝑃</m:t>
+                    </m:r>
+                    <m:r>
+                      <a:rPr lang="en-US" sz="2400" b="0" i="1">
+                        <a:latin typeface="Cambria Math" panose="02040503050406030204" pitchFamily="18" charset="0"/>
+                      </a:rPr>
+                      <m:t>−1)</m:t>
+                    </m:r>
+                  </m:oMath>
+                </a14:m>
+                <a:r>
+                  <a:rPr lang="en-US" sz="2400" dirty="0"/>
+                  <a:t>, P is the number of processors.</a:t>
+                </a:r>
+              </a:p>
+            </p:txBody>
+          </p:sp>
+        </mc:Choice>
+        <mc:Fallback xmlns="">
+          <p:sp>
+            <p:nvSpPr>
+              <p:cNvPr id="3" name="Content Placeholder 2">
+                <a:extLst>
+                  <a:ext uri="{FF2B5EF4-FFF2-40B4-BE49-F238E27FC236}">
+                    <a16:creationId xmlns:a16="http://schemas.microsoft.com/office/drawing/2014/main" id="{127697FE-522C-0646-B082-06EFEC48FB2B}"/>
+                  </a:ext>
+                </a:extLst>
+              </p:cNvPr>
+              <p:cNvSpPr>
+                <a:spLocks noGrp="1" noRot="1" noChangeAspect="1" noMove="1" noResize="1" noEditPoints="1" noAdjustHandles="1" noChangeArrowheads="1" noChangeShapeType="1" noTextEdit="1"/>
+              </p:cNvSpPr>
+              <p:nvPr>
+                <p:ph idx="1"/>
+              </p:nvPr>
+            </p:nvSpPr>
+            <p:spPr>
+              <a:xfrm>
+                <a:off x="1136429" y="2278173"/>
+                <a:ext cx="6467867" cy="3450613"/>
+              </a:xfrm>
+              <a:blipFill>
+                <a:blip r:embed="rId2"/>
+                <a:stretch>
+                  <a:fillRect l="-978"/>
+                </a:stretch>
+              </a:blipFill>
+            </p:spPr>
+            <p:txBody>
+              <a:bodyPr/>
+              <a:lstStyle/>
+              <a:p>
+                <a:r>
+                  <a:rPr lang="en-US">
+                    <a:noFill/>
+                  </a:rPr>
+                  <a:t> </a:t>
+                </a:r>
+              </a:p>
+            </p:txBody>
+          </p:sp>
+        </mc:Fallback>
+      </mc:AlternateContent>
+      <p:sp>
+        <p:nvSpPr>
+          <p:cNvPr id="10" name="Rectangle 9">
+            <a:extLst>
+              <a:ext uri="{FF2B5EF4-FFF2-40B4-BE49-F238E27FC236}">
+                <a16:creationId xmlns:a16="http://schemas.microsoft.com/office/drawing/2014/main" id="{59A309A7-1751-4ABE-A3C1-EEC40366AD89}"/>
               </a:ext>
               <a:ext uri="{C183D7F6-B498-43B3-948B-1728B52AA6E4}">
                 <adec:decorative xmlns:adec="http://schemas.microsoft.com/office/drawing/2017/decorative" val="1"/>
@@ -10254,12 +11256,15 @@
         </p:nvSpPr>
         <p:spPr>
           <a:xfrm>
-            <a:off x="1" y="0"/>
-            <a:ext cx="6082110" cy="6858000"/>
+            <a:off x="10088880" y="0"/>
+            <a:ext cx="2103120" cy="6858000"/>
           </a:xfrm>
           <a:prstGeom prst="rect">
             <a:avLst/>
           </a:prstGeom>
+          <a:solidFill>
+            <a:schemeClr val="accent1"/>
+          </a:solidFill>
           <a:ln>
             <a:noFill/>
           </a:ln>
@@ -10291,10 +11296,10 @@
       </p:sp>
       <p:sp>
         <p:nvSpPr>
-          <p:cNvPr id="10" name="Rectangle 9">
+          <p:cNvPr id="12" name="Oval 11">
             <a:extLst>
               <a:ext uri="{FF2B5EF4-FFF2-40B4-BE49-F238E27FC236}">
-                <a16:creationId xmlns:a16="http://schemas.microsoft.com/office/drawing/2014/main" id="{B4F5FA0D-0104-4987-8241-EFF7C85B88DE}"/>
+                <a16:creationId xmlns:a16="http://schemas.microsoft.com/office/drawing/2014/main" id="{967D8EB6-EAE1-4F9C-B398-83321E287204}"/>
               </a:ext>
               <a:ext uri="{C183D7F6-B498-43B3-948B-1728B52AA6E4}">
                 <adec:decorative xmlns:adec="http://schemas.microsoft.com/office/drawing/2017/decorative" val="1"/>
@@ -10314,37 +11319,408 @@
         </p:nvSpPr>
         <p:spPr>
           <a:xfrm>
-            <a:off x="1" y="0"/>
-            <a:ext cx="12191998" cy="6858000"/>
+            <a:off x="8915400" y="2358913"/>
+            <a:ext cx="2140172" cy="2140172"/>
+          </a:xfrm>
+          <a:prstGeom prst="ellipse">
+            <a:avLst/>
+          </a:prstGeom>
+          <a:solidFill>
+            <a:srgbClr val="FFFFFF"/>
+          </a:solidFill>
+          <a:ln w="22225">
+            <a:solidFill>
+              <a:schemeClr val="accent1"/>
+            </a:solidFill>
+          </a:ln>
+        </p:spPr>
+        <p:style>
+          <a:lnRef idx="2">
+            <a:schemeClr val="accent1">
+              <a:shade val="50000"/>
+            </a:schemeClr>
+          </a:lnRef>
+          <a:fillRef idx="1">
+            <a:schemeClr val="accent1"/>
+          </a:fillRef>
+          <a:effectRef idx="0">
+            <a:schemeClr val="accent1"/>
+          </a:effectRef>
+          <a:fontRef idx="minor">
+            <a:schemeClr val="lt1"/>
+          </a:fontRef>
+        </p:style>
+        <p:txBody>
+          <a:bodyPr rtlCol="0" anchor="ctr"/>
+          <a:lstStyle/>
+          <a:p>
+            <a:pPr algn="ctr"/>
+            <a:endParaRPr lang="en-US" dirty="0"/>
+          </a:p>
+        </p:txBody>
+      </p:sp>
+      <p:pic>
+        <p:nvPicPr>
+          <p:cNvPr id="7" name="Graphic 6" descr="Gavel">
+            <a:extLst>
+              <a:ext uri="{FF2B5EF4-FFF2-40B4-BE49-F238E27FC236}">
+                <a16:creationId xmlns:a16="http://schemas.microsoft.com/office/drawing/2014/main" id="{CC109D60-FD58-4172-86B2-BF7E50900CD1}"/>
+              </a:ext>
+            </a:extLst>
+          </p:cNvPr>
+          <p:cNvPicPr>
+            <a:picLocks noChangeAspect="1"/>
+          </p:cNvPicPr>
+          <p:nvPr/>
+        </p:nvPicPr>
+        <p:blipFill>
+          <a:blip r:embed="rId3">
+            <a:extLst>
+              <a:ext uri="{28A0092B-C50C-407E-A947-70E740481C1C}">
+                <a14:useLocalDpi xmlns:a14="http://schemas.microsoft.com/office/drawing/2010/main" val="0"/>
+              </a:ext>
+              <a:ext uri="{96DAC541-7B7A-43D3-8B79-37D633B846F1}">
+                <asvg:svgBlip xmlns:asvg="http://schemas.microsoft.com/office/drawing/2016/SVG/main" r:embed="rId4"/>
+              </a:ext>
+            </a:extLst>
+          </a:blip>
+          <a:stretch>
+            <a:fillRect/>
+          </a:stretch>
+        </p:blipFill>
+        <p:spPr>
+          <a:xfrm>
+            <a:off x="9413987" y="2857501"/>
+            <a:ext cx="1142998" cy="1142998"/>
           </a:xfrm>
           <a:prstGeom prst="rect">
             <a:avLst/>
           </a:prstGeom>
-          <a:gradFill>
-            <a:gsLst>
-              <a:gs pos="0">
-                <a:schemeClr val="accent1">
-                  <a:lumMod val="90000"/>
-                </a:schemeClr>
-              </a:gs>
-              <a:gs pos="25000">
-                <a:schemeClr val="accent1">
-                  <a:lumMod val="90000"/>
-                </a:schemeClr>
-              </a:gs>
-              <a:gs pos="94000">
-                <a:schemeClr val="bg2">
-                  <a:lumMod val="25000"/>
-                </a:schemeClr>
-              </a:gs>
-              <a:gs pos="100000">
-                <a:schemeClr val="bg2">
-                  <a:lumMod val="25000"/>
-                </a:schemeClr>
-              </a:gs>
-            </a:gsLst>
-            <a:lin ang="4200000" scaled="0"/>
-          </a:gradFill>
+        </p:spPr>
+      </p:pic>
+    </p:spTree>
+    <p:extLst>
+      <p:ext uri="{BB962C8B-B14F-4D97-AF65-F5344CB8AC3E}">
+        <p14:creationId xmlns:p14="http://schemas.microsoft.com/office/powerpoint/2010/main" val="4201651120"/>
+      </p:ext>
+    </p:extLst>
+  </p:cSld>
+  <p:clrMapOvr>
+    <a:masterClrMapping/>
+  </p:clrMapOvr>
+  <mc:AlternateContent xmlns:mc="http://schemas.openxmlformats.org/markup-compatibility/2006" xmlns:p15="http://schemas.microsoft.com/office/powerpoint/2012/main">
+    <mc:Choice Requires="p15">
+      <p:transition xmlns:p14="http://schemas.microsoft.com/office/powerpoint/2010/main" spd="slow" p14:dur="2000">
+        <p15:prstTrans prst="drape"/>
+      </p:transition>
+    </mc:Choice>
+    <mc:Fallback xmlns="">
+      <p:transition spd="slow">
+        <p:fade/>
+      </p:transition>
+    </mc:Fallback>
+  </mc:AlternateContent>
+  <p:timing>
+    <p:tnLst>
+      <p:par>
+        <p:cTn id="1" dur="indefinite" restart="never" nodeType="tmRoot">
+          <p:childTnLst>
+            <p:seq concurrent="1" nextAc="seek">
+              <p:cTn id="2" dur="indefinite" nodeType="mainSeq">
+                <p:childTnLst>
+                  <p:par>
+                    <p:cTn id="3" fill="hold">
+                      <p:stCondLst>
+                        <p:cond delay="indefinite"/>
+                      </p:stCondLst>
+                      <p:childTnLst>
+                        <p:par>
+                          <p:cTn id="4" fill="hold">
+                            <p:stCondLst>
+                              <p:cond delay="0"/>
+                            </p:stCondLst>
+                            <p:childTnLst>
+                              <p:par>
+                                <p:cTn id="5" presetID="2" presetClass="entr" presetSubtype="4" fill="hold" grpId="0" nodeType="clickEffect">
+                                  <p:stCondLst>
+                                    <p:cond delay="0"/>
+                                  </p:stCondLst>
+                                  <p:childTnLst>
+                                    <p:set>
+                                      <p:cBhvr>
+                                        <p:cTn id="6" dur="1" fill="hold">
+                                          <p:stCondLst>
+                                            <p:cond delay="0"/>
+                                          </p:stCondLst>
+                                        </p:cTn>
+                                        <p:tgtEl>
+                                          <p:spTgt spid="3">
+                                            <p:txEl>
+                                              <p:pRg st="0" end="0"/>
+                                            </p:txEl>
+                                          </p:spTgt>
+                                        </p:tgtEl>
+                                        <p:attrNameLst>
+                                          <p:attrName>style.visibility</p:attrName>
+                                        </p:attrNameLst>
+                                      </p:cBhvr>
+                                      <p:to>
+                                        <p:strVal val="visible"/>
+                                      </p:to>
+                                    </p:set>
+                                    <p:anim calcmode="lin" valueType="num">
+                                      <p:cBhvr additive="base">
+                                        <p:cTn id="7" dur="500" fill="hold"/>
+                                        <p:tgtEl>
+                                          <p:spTgt spid="3">
+                                            <p:txEl>
+                                              <p:pRg st="0" end="0"/>
+                                            </p:txEl>
+                                          </p:spTgt>
+                                        </p:tgtEl>
+                                        <p:attrNameLst>
+                                          <p:attrName>ppt_x</p:attrName>
+                                        </p:attrNameLst>
+                                      </p:cBhvr>
+                                      <p:tavLst>
+                                        <p:tav tm="0">
+                                          <p:val>
+                                            <p:strVal val="#ppt_x"/>
+                                          </p:val>
+                                        </p:tav>
+                                        <p:tav tm="100000">
+                                          <p:val>
+                                            <p:strVal val="#ppt_x"/>
+                                          </p:val>
+                                        </p:tav>
+                                      </p:tavLst>
+                                    </p:anim>
+                                    <p:anim calcmode="lin" valueType="num">
+                                      <p:cBhvr additive="base">
+                                        <p:cTn id="8" dur="500" fill="hold"/>
+                                        <p:tgtEl>
+                                          <p:spTgt spid="3">
+                                            <p:txEl>
+                                              <p:pRg st="0" end="0"/>
+                                            </p:txEl>
+                                          </p:spTgt>
+                                        </p:tgtEl>
+                                        <p:attrNameLst>
+                                          <p:attrName>ppt_y</p:attrName>
+                                        </p:attrNameLst>
+                                      </p:cBhvr>
+                                      <p:tavLst>
+                                        <p:tav tm="0">
+                                          <p:val>
+                                            <p:strVal val="1+#ppt_h/2"/>
+                                          </p:val>
+                                        </p:tav>
+                                        <p:tav tm="100000">
+                                          <p:val>
+                                            <p:strVal val="#ppt_y"/>
+                                          </p:val>
+                                        </p:tav>
+                                      </p:tavLst>
+                                    </p:anim>
+                                  </p:childTnLst>
+                                </p:cTn>
+                              </p:par>
+                            </p:childTnLst>
+                          </p:cTn>
+                        </p:par>
+                      </p:childTnLst>
+                    </p:cTn>
+                  </p:par>
+                  <p:par>
+                    <p:cTn id="9" fill="hold">
+                      <p:stCondLst>
+                        <p:cond delay="indefinite"/>
+                      </p:stCondLst>
+                      <p:childTnLst>
+                        <p:par>
+                          <p:cTn id="10" fill="hold">
+                            <p:stCondLst>
+                              <p:cond delay="0"/>
+                            </p:stCondLst>
+                            <p:childTnLst>
+                              <p:par>
+                                <p:cTn id="11" presetID="2" presetClass="entr" presetSubtype="4" fill="hold" grpId="0" nodeType="clickEffect">
+                                  <p:stCondLst>
+                                    <p:cond delay="0"/>
+                                  </p:stCondLst>
+                                  <p:childTnLst>
+                                    <p:set>
+                                      <p:cBhvr>
+                                        <p:cTn id="12" dur="1" fill="hold">
+                                          <p:stCondLst>
+                                            <p:cond delay="0"/>
+                                          </p:stCondLst>
+                                        </p:cTn>
+                                        <p:tgtEl>
+                                          <p:spTgt spid="3">
+                                            <p:txEl>
+                                              <p:pRg st="1" end="1"/>
+                                            </p:txEl>
+                                          </p:spTgt>
+                                        </p:tgtEl>
+                                        <p:attrNameLst>
+                                          <p:attrName>style.visibility</p:attrName>
+                                        </p:attrNameLst>
+                                      </p:cBhvr>
+                                      <p:to>
+                                        <p:strVal val="visible"/>
+                                      </p:to>
+                                    </p:set>
+                                    <p:anim calcmode="lin" valueType="num">
+                                      <p:cBhvr additive="base">
+                                        <p:cTn id="13" dur="500" fill="hold"/>
+                                        <p:tgtEl>
+                                          <p:spTgt spid="3">
+                                            <p:txEl>
+                                              <p:pRg st="1" end="1"/>
+                                            </p:txEl>
+                                          </p:spTgt>
+                                        </p:tgtEl>
+                                        <p:attrNameLst>
+                                          <p:attrName>ppt_x</p:attrName>
+                                        </p:attrNameLst>
+                                      </p:cBhvr>
+                                      <p:tavLst>
+                                        <p:tav tm="0">
+                                          <p:val>
+                                            <p:strVal val="#ppt_x"/>
+                                          </p:val>
+                                        </p:tav>
+                                        <p:tav tm="100000">
+                                          <p:val>
+                                            <p:strVal val="#ppt_x"/>
+                                          </p:val>
+                                        </p:tav>
+                                      </p:tavLst>
+                                    </p:anim>
+                                    <p:anim calcmode="lin" valueType="num">
+                                      <p:cBhvr additive="base">
+                                        <p:cTn id="14" dur="500" fill="hold"/>
+                                        <p:tgtEl>
+                                          <p:spTgt spid="3">
+                                            <p:txEl>
+                                              <p:pRg st="1" end="1"/>
+                                            </p:txEl>
+                                          </p:spTgt>
+                                        </p:tgtEl>
+                                        <p:attrNameLst>
+                                          <p:attrName>ppt_y</p:attrName>
+                                        </p:attrNameLst>
+                                      </p:cBhvr>
+                                      <p:tavLst>
+                                        <p:tav tm="0">
+                                          <p:val>
+                                            <p:strVal val="1+#ppt_h/2"/>
+                                          </p:val>
+                                        </p:tav>
+                                        <p:tav tm="100000">
+                                          <p:val>
+                                            <p:strVal val="#ppt_y"/>
+                                          </p:val>
+                                        </p:tav>
+                                      </p:tavLst>
+                                    </p:anim>
+                                  </p:childTnLst>
+                                </p:cTn>
+                              </p:par>
+                            </p:childTnLst>
+                          </p:cTn>
+                        </p:par>
+                      </p:childTnLst>
+                    </p:cTn>
+                  </p:par>
+                </p:childTnLst>
+              </p:cTn>
+              <p:prevCondLst>
+                <p:cond evt="onPrev" delay="0">
+                  <p:tgtEl>
+                    <p:sldTgt/>
+                  </p:tgtEl>
+                </p:cond>
+              </p:prevCondLst>
+              <p:nextCondLst>
+                <p:cond evt="onNext" delay="0">
+                  <p:tgtEl>
+                    <p:sldTgt/>
+                  </p:tgtEl>
+                </p:cond>
+              </p:nextCondLst>
+            </p:seq>
+          </p:childTnLst>
+        </p:cTn>
+      </p:par>
+    </p:tnLst>
+    <p:bldLst>
+      <p:bldP spid="3" grpId="0" build="p"/>
+    </p:bldLst>
+  </p:timing>
+</p:sld>
+</file>
+
+<file path=ppt/slides/slide7.xml><?xml version="1.0" encoding="utf-8"?>
+<p:sld xmlns:a="http://schemas.openxmlformats.org/drawingml/2006/main" xmlns:r="http://schemas.openxmlformats.org/officeDocument/2006/relationships" xmlns:p="http://schemas.openxmlformats.org/presentationml/2006/main">
+  <p:cSld>
+    <p:bg>
+      <p:bgPr>
+        <a:solidFill>
+          <a:schemeClr val="bg1"/>
+        </a:solidFill>
+        <a:effectLst/>
+      </p:bgPr>
+    </p:bg>
+    <p:spTree>
+      <p:nvGrpSpPr>
+        <p:cNvPr id="1" name=""/>
+        <p:cNvGrpSpPr/>
+        <p:nvPr/>
+      </p:nvGrpSpPr>
+      <p:grpSpPr>
+        <a:xfrm>
+          <a:off x="0" y="0"/>
+          <a:ext cx="0" cy="0"/>
+          <a:chOff x="0" y="0"/>
+          <a:chExt cx="0" cy="0"/>
+        </a:xfrm>
+      </p:grpSpPr>
+      <p:sp>
+        <p:nvSpPr>
+          <p:cNvPr id="9" name="Rectangle 8">
+            <a:extLst>
+              <a:ext uri="{FF2B5EF4-FFF2-40B4-BE49-F238E27FC236}">
+                <a16:creationId xmlns:a16="http://schemas.microsoft.com/office/drawing/2014/main" id="{A4AC5506-6312-4701-8D3C-40187889A947}"/>
+              </a:ext>
+              <a:ext uri="{C183D7F6-B498-43B3-948B-1728B52AA6E4}">
+                <adec:decorative xmlns:adec="http://schemas.microsoft.com/office/drawing/2017/decorative" val="1"/>
+              </a:ext>
+            </a:extLst>
+          </p:cNvPr>
+          <p:cNvSpPr>
+            <a:spLocks noGrp="1" noRot="1" noChangeAspect="1" noMove="1" noResize="1" noEditPoints="1" noAdjustHandles="1" noChangeArrowheads="1" noChangeShapeType="1" noTextEdit="1"/>
+          </p:cNvSpPr>
+          <p:nvPr>
+            <p:extLst>
+              <p:ext uri="{386F3935-93C4-4BCD-93E2-E3B085C9AB24}">
+                <p16:designElem xmlns:p16="http://schemas.microsoft.com/office/powerpoint/2015/main" val="1"/>
+              </p:ext>
+            </p:extLst>
+          </p:nvPr>
+        </p:nvSpPr>
+        <p:spPr>
+          <a:xfrm>
+            <a:off x="0" y="651752"/>
+            <a:ext cx="12192000" cy="736551"/>
+          </a:xfrm>
+          <a:prstGeom prst="rect">
+            <a:avLst/>
+          </a:prstGeom>
+          <a:solidFill>
+            <a:schemeClr val="tx1"/>
+          </a:solidFill>
           <a:ln>
             <a:noFill/>
           </a:ln>
@@ -10374,57 +11750,12 @@
           </a:p>
         </p:txBody>
       </p:sp>
-      <p:pic>
-        <p:nvPicPr>
-          <p:cNvPr id="12" name="Picture 11">
-            <a:extLst>
-              <a:ext uri="{FF2B5EF4-FFF2-40B4-BE49-F238E27FC236}">
-                <a16:creationId xmlns:a16="http://schemas.microsoft.com/office/drawing/2014/main" id="{2897127E-6CEF-446C-BE87-93B7C46E49D1}"/>
-              </a:ext>
-              <a:ext uri="{C183D7F6-B498-43B3-948B-1728B52AA6E4}">
-                <adec:decorative xmlns:adec="http://schemas.microsoft.com/office/drawing/2017/decorative" val="1"/>
-              </a:ext>
-            </a:extLst>
-          </p:cNvPr>
-          <p:cNvPicPr>
-            <a:picLocks noGrp="1" noRot="1" noChangeAspect="1" noMove="1" noResize="1" noEditPoints="1" noAdjustHandles="1" noChangeArrowheads="1" noChangeShapeType="1" noCrop="1"/>
-          </p:cNvPicPr>
-          <p:nvPr>
-            <p:extLst>
-              <p:ext uri="{386F3935-93C4-4BCD-93E2-E3B085C9AB24}">
-                <p16:designElem xmlns:p16="http://schemas.microsoft.com/office/powerpoint/2015/main" val="1"/>
-              </p:ext>
-            </p:extLst>
-          </p:nvPr>
-        </p:nvPicPr>
-        <p:blipFill>
-          <a:blip r:embed="rId2">
-            <a:extLst>
-              <a:ext uri="{28A0092B-C50C-407E-A947-70E740481C1C}">
-                <a14:useLocalDpi xmlns:a14="http://schemas.microsoft.com/office/drawing/2010/main" val="0"/>
-              </a:ext>
-            </a:extLst>
-          </a:blip>
-          <a:stretch>
-            <a:fillRect/>
-          </a:stretch>
-        </p:blipFill>
-        <p:spPr>
-          <a:xfrm>
-            <a:off x="0" y="0"/>
-            <a:ext cx="12192000" cy="6858000"/>
-          </a:xfrm>
-          <a:prstGeom prst="rect">
-            <a:avLst/>
-          </a:prstGeom>
-        </p:spPr>
-      </p:pic>
       <p:sp>
         <p:nvSpPr>
           <p:cNvPr id="2" name="Title 1">
             <a:extLst>
               <a:ext uri="{FF2B5EF4-FFF2-40B4-BE49-F238E27FC236}">
-                <a16:creationId xmlns:a16="http://schemas.microsoft.com/office/drawing/2014/main" id="{8C601C3B-4D47-8348-BC4A-FD48875EDBAC}"/>
+                <a16:creationId xmlns:a16="http://schemas.microsoft.com/office/drawing/2014/main" id="{9C2006DE-766E-664D-B9CD-6570778D0C30}"/>
               </a:ext>
             </a:extLst>
           </p:cNvPr>
@@ -10437,8 +11768,131 @@
         </p:nvSpPr>
         <p:spPr>
           <a:xfrm>
-            <a:off x="640079" y="2053641"/>
-            <a:ext cx="3669161" cy="2760098"/>
+            <a:off x="556532" y="643467"/>
+            <a:ext cx="11210925" cy="744836"/>
+          </a:xfrm>
+        </p:spPr>
+        <p:txBody>
+          <a:bodyPr vert="horz" lIns="91440" tIns="45720" rIns="91440" bIns="45720" rtlCol="0" anchor="ctr">
+            <a:normAutofit/>
+          </a:bodyPr>
+          <a:lstStyle/>
+          <a:p>
+            <a:pPr algn="ctr"/>
+            <a:r>
+              <a:rPr lang="en-US" sz="3200" kern="1200" dirty="0">
+                <a:solidFill>
+                  <a:schemeClr val="bg1"/>
+                </a:solidFill>
+                <a:latin typeface="+mj-lt"/>
+                <a:ea typeface="+mj-ea"/>
+                <a:cs typeface="+mj-cs"/>
+              </a:rPr>
+              <a:t>Vector Instructions (SIMD)</a:t>
+            </a:r>
+          </a:p>
+        </p:txBody>
+      </p:sp>
+      <p:pic>
+        <p:nvPicPr>
+          <p:cNvPr id="4" name="Picture 3">
+            <a:extLst>
+              <a:ext uri="{FF2B5EF4-FFF2-40B4-BE49-F238E27FC236}">
+                <a16:creationId xmlns:a16="http://schemas.microsoft.com/office/drawing/2014/main" id="{DDD075B9-17CC-7B46-8779-D83A70AAD7AB}"/>
+              </a:ext>
+            </a:extLst>
+          </p:cNvPr>
+          <p:cNvPicPr>
+            <a:picLocks noChangeAspect="1"/>
+          </p:cNvPicPr>
+          <p:nvPr/>
+        </p:nvPicPr>
+        <p:blipFill>
+          <a:blip r:embed="rId2"/>
+          <a:stretch>
+            <a:fillRect/>
+          </a:stretch>
+        </p:blipFill>
+        <p:spPr>
+          <a:xfrm>
+            <a:off x="643467" y="1977571"/>
+            <a:ext cx="10905066" cy="3789510"/>
+          </a:xfrm>
+          <a:prstGeom prst="rect">
+            <a:avLst/>
+          </a:prstGeom>
+        </p:spPr>
+      </p:pic>
+    </p:spTree>
+    <p:extLst>
+      <p:ext uri="{BB962C8B-B14F-4D97-AF65-F5344CB8AC3E}">
+        <p14:creationId xmlns:p14="http://schemas.microsoft.com/office/powerpoint/2010/main" val="801379116"/>
+      </p:ext>
+    </p:extLst>
+  </p:cSld>
+  <p:clrMapOvr>
+    <a:masterClrMapping/>
+  </p:clrMapOvr>
+  <mc:AlternateContent xmlns:mc="http://schemas.openxmlformats.org/markup-compatibility/2006" xmlns:p15="http://schemas.microsoft.com/office/powerpoint/2012/main">
+    <mc:Choice Requires="p15">
+      <p:transition xmlns:p14="http://schemas.microsoft.com/office/powerpoint/2010/main" spd="slow" p14:dur="2000">
+        <p15:prstTrans prst="drape"/>
+      </p:transition>
+    </mc:Choice>
+    <mc:Fallback xmlns="">
+      <p:transition spd="slow">
+        <p:fade/>
+      </p:transition>
+    </mc:Fallback>
+  </mc:AlternateContent>
+</p:sld>
+</file>
+
+<file path=ppt/slides/slide8.xml><?xml version="1.0" encoding="utf-8"?>
+<p:sld xmlns:a="http://schemas.openxmlformats.org/drawingml/2006/main" xmlns:r="http://schemas.openxmlformats.org/officeDocument/2006/relationships" xmlns:p="http://schemas.openxmlformats.org/presentationml/2006/main">
+  <p:cSld>
+    <p:bg>
+      <p:bgPr>
+        <a:solidFill>
+          <a:schemeClr val="bg1"/>
+        </a:solidFill>
+        <a:effectLst/>
+      </p:bgPr>
+    </p:bg>
+    <p:spTree>
+      <p:nvGrpSpPr>
+        <p:cNvPr id="1" name=""/>
+        <p:cNvGrpSpPr/>
+        <p:nvPr/>
+      </p:nvGrpSpPr>
+      <p:grpSpPr>
+        <a:xfrm>
+          <a:off x="0" y="0"/>
+          <a:ext cx="0" cy="0"/>
+          <a:chOff x="0" y="0"/>
+          <a:chExt cx="0" cy="0"/>
+        </a:xfrm>
+      </p:grpSpPr>
+      <p:sp>
+        <p:nvSpPr>
+          <p:cNvPr id="2" name="Title 1">
+            <a:extLst>
+              <a:ext uri="{FF2B5EF4-FFF2-40B4-BE49-F238E27FC236}">
+                <a16:creationId xmlns:a16="http://schemas.microsoft.com/office/drawing/2014/main" id="{643DD30A-DF71-B045-8A25-7A6CA2583DBF}"/>
+              </a:ext>
+            </a:extLst>
+          </p:cNvPr>
+          <p:cNvSpPr>
+            <a:spLocks noGrp="1"/>
+          </p:cNvSpPr>
+          <p:nvPr>
+            <p:ph type="title"/>
+          </p:nvPr>
+        </p:nvSpPr>
+        <p:spPr>
+          <a:xfrm>
+            <a:off x="838200" y="4539344"/>
+            <a:ext cx="10515600" cy="1641702"/>
           </a:xfrm>
         </p:spPr>
         <p:txBody>
@@ -10448,84 +11902,642 @@
           <a:lstStyle/>
           <a:p>
             <a:r>
-              <a:rPr lang="en-US" dirty="0">
-                <a:solidFill>
-                  <a:srgbClr val="FFFFFF"/>
-                </a:solidFill>
-              </a:rPr>
-              <a:t>Conclusion</a:t>
+              <a:rPr lang="en-US" sz="5400" dirty="0"/>
+              <a:t>Vector Pipelining (Exercise 4)</a:t>
             </a:r>
           </a:p>
         </p:txBody>
       </p:sp>
-      <p:sp>
-        <p:nvSpPr>
-          <p:cNvPr id="3" name="Content Placeholder 2">
-            <a:extLst>
-              <a:ext uri="{FF2B5EF4-FFF2-40B4-BE49-F238E27FC236}">
-                <a16:creationId xmlns:a16="http://schemas.microsoft.com/office/drawing/2014/main" id="{4E96CE26-75BF-634E-9173-A86837E71C55}"/>
-              </a:ext>
-            </a:extLst>
-          </p:cNvPr>
-          <p:cNvSpPr>
-            <a:spLocks noGrp="1"/>
-          </p:cNvSpPr>
-          <p:nvPr>
-            <p:ph idx="1"/>
-          </p:nvPr>
-        </p:nvSpPr>
-        <p:spPr>
-          <a:xfrm>
-            <a:off x="6090574" y="801866"/>
-            <a:ext cx="5306084" cy="5230634"/>
-          </a:xfrm>
-        </p:spPr>
-        <p:txBody>
-          <a:bodyPr anchor="ctr">
-            <a:normAutofit/>
-          </a:bodyPr>
-          <a:lstStyle/>
-          <a:p>
-            <a:r>
-              <a:rPr lang="en-US" sz="2400" dirty="0">
-                <a:solidFill>
-                  <a:srgbClr val="000000"/>
-                </a:solidFill>
-              </a:rPr>
-              <a:t>Parallel programming requires professional software engineering practices, since ad-hoc approaches don’t work.</a:t>
-            </a:r>
-          </a:p>
-          <a:p>
-            <a:r>
-              <a:rPr lang="en-US" sz="2400" dirty="0">
-                <a:solidFill>
-                  <a:srgbClr val="000000"/>
-                </a:solidFill>
-              </a:rPr>
-              <a:t>Parallel and distributed programming can be applied to boost efficiency, dependability, and clarity of design.</a:t>
-            </a:r>
-            <a:endParaRPr lang="en-US" sz="2400">
-              <a:solidFill>
-                <a:srgbClr val="000000"/>
-              </a:solidFill>
-            </a:endParaRPr>
-          </a:p>
-          <a:p>
-            <a:r>
-              <a:rPr lang="en-US" sz="2400">
-                <a:solidFill>
-                  <a:srgbClr val="000000"/>
-                </a:solidFill>
-              </a:rPr>
-              <a:t>It is always best to reuse as much as possible higher-level concurrency abstractions from mature framework.</a:t>
-            </a:r>
-          </a:p>
-        </p:txBody>
-      </p:sp>
+      <mc:AlternateContent xmlns:mc="http://schemas.openxmlformats.org/markup-compatibility/2006">
+        <mc:Choice xmlns:a14="http://schemas.microsoft.com/office/drawing/2010/main" Requires="a14">
+          <p:sp>
+            <p:nvSpPr>
+              <p:cNvPr id="3" name="Content Placeholder 2">
+                <a:extLst>
+                  <a:ext uri="{FF2B5EF4-FFF2-40B4-BE49-F238E27FC236}">
+                    <a16:creationId xmlns:a16="http://schemas.microsoft.com/office/drawing/2014/main" id="{C8F82FF9-E635-CB49-A567-A1F0094035D5}"/>
+                  </a:ext>
+                </a:extLst>
+              </p:cNvPr>
+              <p:cNvSpPr>
+                <a:spLocks noGrp="1"/>
+              </p:cNvSpPr>
+              <p:nvPr>
+                <p:ph idx="1"/>
+              </p:nvPr>
+            </p:nvSpPr>
+            <p:spPr>
+              <a:xfrm>
+                <a:off x="838200" y="554840"/>
+                <a:ext cx="10515600" cy="3493530"/>
+              </a:xfrm>
+            </p:spPr>
+            <p:txBody>
+              <a:bodyPr anchor="b">
+                <a:normAutofit/>
+              </a:bodyPr>
+              <a:lstStyle/>
+              <a:p>
+                <a:r>
+                  <a:rPr lang="en-US" sz="2400" dirty="0"/>
+                  <a:t>All the sub operations take the same amount of time t.</a:t>
+                </a:r>
+              </a:p>
+              <a:p>
+                <a:r>
+                  <a:rPr lang="en-US" sz="2400" dirty="0"/>
+                  <a:t>There are s sub operations (and assume s &gt; 1).</a:t>
+                </a:r>
+              </a:p>
+              <a:p>
+                <a:r>
+                  <a:rPr lang="en-US" sz="2400" dirty="0"/>
+                  <a:t>One full calculation takes </a:t>
+                </a:r>
+                <a14:m>
+                  <m:oMath xmlns:m="http://schemas.openxmlformats.org/officeDocument/2006/math">
+                    <m:sSub>
+                      <m:sSubPr>
+                        <m:ctrlPr>
+                          <a:rPr lang="en-US" sz="2400" i="1">
+                            <a:latin typeface="Cambria Math" panose="02040503050406030204" pitchFamily="18" charset="0"/>
+                          </a:rPr>
+                        </m:ctrlPr>
+                      </m:sSubPr>
+                      <m:e>
+                        <m:r>
+                          <a:rPr lang="en-US" sz="2400" b="0" i="1">
+                            <a:latin typeface="Cambria Math" panose="02040503050406030204" pitchFamily="18" charset="0"/>
+                          </a:rPr>
+                          <m:t>𝑇</m:t>
+                        </m:r>
+                      </m:e>
+                      <m:sub>
+                        <m:r>
+                          <a:rPr lang="en-US" sz="2400" b="0" i="1">
+                            <a:latin typeface="Cambria Math" panose="02040503050406030204" pitchFamily="18" charset="0"/>
+                          </a:rPr>
+                          <m:t>𝐹</m:t>
+                        </m:r>
+                      </m:sub>
+                    </m:sSub>
+                    <m:r>
+                      <a:rPr lang="en-US" sz="2400" b="0" i="1">
+                        <a:latin typeface="Cambria Math" panose="02040503050406030204" pitchFamily="18" charset="0"/>
+                      </a:rPr>
+                      <m:t>=</m:t>
+                    </m:r>
+                    <m:r>
+                      <a:rPr lang="en-US" sz="2400" b="0" i="1">
+                        <a:latin typeface="Cambria Math" panose="02040503050406030204" pitchFamily="18" charset="0"/>
+                      </a:rPr>
+                      <m:t>𝑠𝑡</m:t>
+                    </m:r>
+                  </m:oMath>
+                </a14:m>
+                <a:endParaRPr lang="en-US" sz="2400" dirty="0"/>
+              </a:p>
+              <a:p>
+                <a:r>
+                  <a:rPr lang="en-US" sz="2400" dirty="0"/>
+                  <a:t>Two full calculations take </a:t>
+                </a:r>
+                <a14:m>
+                  <m:oMath xmlns:m="http://schemas.openxmlformats.org/officeDocument/2006/math">
+                    <m:sSub>
+                      <m:sSubPr>
+                        <m:ctrlPr>
+                          <a:rPr lang="en-US" sz="2400" i="1">
+                            <a:latin typeface="Cambria Math" panose="02040503050406030204" pitchFamily="18" charset="0"/>
+                          </a:rPr>
+                        </m:ctrlPr>
+                      </m:sSubPr>
+                      <m:e>
+                        <m:r>
+                          <a:rPr lang="en-US" sz="2400" i="1">
+                            <a:latin typeface="Cambria Math" panose="02040503050406030204" pitchFamily="18" charset="0"/>
+                          </a:rPr>
+                          <m:t>𝑇</m:t>
+                        </m:r>
+                      </m:e>
+                      <m:sub>
+                        <m:r>
+                          <a:rPr lang="en-US" sz="2400" b="0" i="1">
+                            <a:latin typeface="Cambria Math" panose="02040503050406030204" pitchFamily="18" charset="0"/>
+                          </a:rPr>
+                          <m:t>2</m:t>
+                        </m:r>
+                        <m:r>
+                          <a:rPr lang="en-US" sz="2400" i="1">
+                            <a:latin typeface="Cambria Math" panose="02040503050406030204" pitchFamily="18" charset="0"/>
+                          </a:rPr>
+                          <m:t>𝐹</m:t>
+                        </m:r>
+                      </m:sub>
+                    </m:sSub>
+                    <m:r>
+                      <a:rPr lang="en-US" sz="2400" i="1">
+                        <a:latin typeface="Cambria Math" panose="02040503050406030204" pitchFamily="18" charset="0"/>
+                      </a:rPr>
+                      <m:t>=</m:t>
+                    </m:r>
+                    <m:r>
+                      <a:rPr lang="en-US" sz="2400" i="1">
+                        <a:latin typeface="Cambria Math" panose="02040503050406030204" pitchFamily="18" charset="0"/>
+                      </a:rPr>
+                      <m:t>𝑠𝑡</m:t>
+                    </m:r>
+                    <m:r>
+                      <a:rPr lang="en-US" sz="2400" b="0" i="1">
+                        <a:latin typeface="Cambria Math" panose="02040503050406030204" pitchFamily="18" charset="0"/>
+                      </a:rPr>
+                      <m:t>+</m:t>
+                    </m:r>
+                    <m:r>
+                      <a:rPr lang="en-US" sz="2400" b="0" i="1">
+                        <a:latin typeface="Cambria Math" panose="02040503050406030204" pitchFamily="18" charset="0"/>
+                      </a:rPr>
+                      <m:t>𝑡</m:t>
+                    </m:r>
+                    <m:r>
+                      <a:rPr lang="en-US" sz="2400" b="0" i="1">
+                        <a:latin typeface="Cambria Math" panose="02040503050406030204" pitchFamily="18" charset="0"/>
+                      </a:rPr>
+                      <m:t>=</m:t>
+                    </m:r>
+                    <m:r>
+                      <a:rPr lang="en-US" sz="2400" b="0" i="1">
+                        <a:latin typeface="Cambria Math" panose="02040503050406030204" pitchFamily="18" charset="0"/>
+                      </a:rPr>
+                      <m:t>𝑡</m:t>
+                    </m:r>
+                    <m:r>
+                      <a:rPr lang="en-US" sz="2400" b="0" i="1">
+                        <a:latin typeface="Cambria Math" panose="02040503050406030204" pitchFamily="18" charset="0"/>
+                      </a:rPr>
+                      <m:t>(</m:t>
+                    </m:r>
+                    <m:r>
+                      <a:rPr lang="en-US" sz="2400" b="0" i="1">
+                        <a:latin typeface="Cambria Math" panose="02040503050406030204" pitchFamily="18" charset="0"/>
+                      </a:rPr>
+                      <m:t>𝑠</m:t>
+                    </m:r>
+                    <m:r>
+                      <a:rPr lang="en-US" sz="2400" b="0" i="1">
+                        <a:latin typeface="Cambria Math" panose="02040503050406030204" pitchFamily="18" charset="0"/>
+                      </a:rPr>
+                      <m:t>+1)</m:t>
+                    </m:r>
+                  </m:oMath>
+                </a14:m>
+                <a:endParaRPr lang="en-US" sz="2400" dirty="0"/>
+              </a:p>
+              <a:p>
+                <a:r>
+                  <a:rPr lang="en-US" sz="2400" dirty="0"/>
+                  <a:t>N full operations take </a:t>
+                </a:r>
+                <a14:m>
+                  <m:oMath xmlns:m="http://schemas.openxmlformats.org/officeDocument/2006/math">
+                    <m:sSub>
+                      <m:sSubPr>
+                        <m:ctrlPr>
+                          <a:rPr lang="en-US" sz="2400" i="1">
+                            <a:latin typeface="Cambria Math" panose="02040503050406030204" pitchFamily="18" charset="0"/>
+                          </a:rPr>
+                        </m:ctrlPr>
+                      </m:sSubPr>
+                      <m:e>
+                        <m:r>
+                          <a:rPr lang="en-US" sz="2400" i="1">
+                            <a:latin typeface="Cambria Math" panose="02040503050406030204" pitchFamily="18" charset="0"/>
+                          </a:rPr>
+                          <m:t>𝑇</m:t>
+                        </m:r>
+                      </m:e>
+                      <m:sub>
+                        <m:r>
+                          <a:rPr lang="en-US" sz="2400" b="0" i="1">
+                            <a:latin typeface="Cambria Math" panose="02040503050406030204" pitchFamily="18" charset="0"/>
+                          </a:rPr>
+                          <m:t>𝑁</m:t>
+                        </m:r>
+                        <m:r>
+                          <a:rPr lang="en-US" sz="2400" i="1">
+                            <a:latin typeface="Cambria Math" panose="02040503050406030204" pitchFamily="18" charset="0"/>
+                          </a:rPr>
+                          <m:t>𝐹</m:t>
+                        </m:r>
+                      </m:sub>
+                    </m:sSub>
+                    <m:r>
+                      <a:rPr lang="en-US" sz="2400" i="1">
+                        <a:latin typeface="Cambria Math" panose="02040503050406030204" pitchFamily="18" charset="0"/>
+                      </a:rPr>
+                      <m:t>=</m:t>
+                    </m:r>
+                    <m:r>
+                      <a:rPr lang="en-US" sz="2400" i="1">
+                        <a:latin typeface="Cambria Math" panose="02040503050406030204" pitchFamily="18" charset="0"/>
+                      </a:rPr>
+                      <m:t>𝑠𝑡</m:t>
+                    </m:r>
+                    <m:r>
+                      <a:rPr lang="en-US" sz="2400" b="0" i="1">
+                        <a:latin typeface="Cambria Math" panose="02040503050406030204" pitchFamily="18" charset="0"/>
+                      </a:rPr>
+                      <m:t>+</m:t>
+                    </m:r>
+                    <m:r>
+                      <a:rPr lang="en-US" sz="2400" b="0" i="1">
+                        <a:latin typeface="Cambria Math" panose="02040503050406030204" pitchFamily="18" charset="0"/>
+                      </a:rPr>
+                      <m:t>𝑡</m:t>
+                    </m:r>
+                    <m:d>
+                      <m:dPr>
+                        <m:ctrlPr>
+                          <a:rPr lang="en-US" sz="2400" b="0" i="1">
+                            <a:latin typeface="Cambria Math" panose="02040503050406030204" pitchFamily="18" charset="0"/>
+                          </a:rPr>
+                        </m:ctrlPr>
+                      </m:dPr>
+                      <m:e>
+                        <m:r>
+                          <a:rPr lang="en-US" sz="2400" b="0" i="1">
+                            <a:latin typeface="Cambria Math" panose="02040503050406030204" pitchFamily="18" charset="0"/>
+                          </a:rPr>
+                          <m:t>𝑛</m:t>
+                        </m:r>
+                        <m:r>
+                          <a:rPr lang="en-US" sz="2400" b="0" i="1">
+                            <a:latin typeface="Cambria Math" panose="02040503050406030204" pitchFamily="18" charset="0"/>
+                          </a:rPr>
+                          <m:t>−1</m:t>
+                        </m:r>
+                      </m:e>
+                    </m:d>
+                    <m:r>
+                      <a:rPr lang="en-US" sz="2400" b="0" i="1">
+                        <a:latin typeface="Cambria Math" panose="02040503050406030204" pitchFamily="18" charset="0"/>
+                      </a:rPr>
+                      <m:t>=</m:t>
+                    </m:r>
+                    <m:r>
+                      <a:rPr lang="en-US" sz="2400" b="0" i="1">
+                        <a:latin typeface="Cambria Math" panose="02040503050406030204" pitchFamily="18" charset="0"/>
+                      </a:rPr>
+                      <m:t>𝑡</m:t>
+                    </m:r>
+                    <m:r>
+                      <a:rPr lang="en-US" sz="2400" b="0" i="1">
+                        <a:latin typeface="Cambria Math" panose="02040503050406030204" pitchFamily="18" charset="0"/>
+                      </a:rPr>
+                      <m:t>(</m:t>
+                    </m:r>
+                    <m:r>
+                      <a:rPr lang="en-US" sz="2400" b="0" i="1">
+                        <a:latin typeface="Cambria Math" panose="02040503050406030204" pitchFamily="18" charset="0"/>
+                      </a:rPr>
+                      <m:t>𝑠</m:t>
+                    </m:r>
+                    <m:r>
+                      <a:rPr lang="en-US" sz="2400" b="0" i="1">
+                        <a:latin typeface="Cambria Math" panose="02040503050406030204" pitchFamily="18" charset="0"/>
+                      </a:rPr>
+                      <m:t>+</m:t>
+                    </m:r>
+                    <m:r>
+                      <a:rPr lang="en-US" sz="2400" b="0" i="1">
+                        <a:latin typeface="Cambria Math" panose="02040503050406030204" pitchFamily="18" charset="0"/>
+                      </a:rPr>
+                      <m:t>𝑛</m:t>
+                    </m:r>
+                    <m:r>
+                      <a:rPr lang="en-US" sz="2400" b="0" i="1">
+                        <a:latin typeface="Cambria Math" panose="02040503050406030204" pitchFamily="18" charset="0"/>
+                      </a:rPr>
+                      <m:t>−1)</m:t>
+                    </m:r>
+                  </m:oMath>
+                </a14:m>
+                <a:endParaRPr lang="en-US" sz="2400" dirty="0"/>
+              </a:p>
+              <a:p>
+                <a:r>
+                  <a:rPr lang="en-US" sz="2400" dirty="0"/>
+                  <a:t>N full operations without pipelining take </a:t>
+                </a:r>
+                <a14:m>
+                  <m:oMath xmlns:m="http://schemas.openxmlformats.org/officeDocument/2006/math">
+                    <m:sSubSup>
+                      <m:sSubSupPr>
+                        <m:ctrlPr>
+                          <a:rPr lang="en-US" sz="2400" i="1">
+                            <a:latin typeface="Cambria Math" panose="02040503050406030204" pitchFamily="18" charset="0"/>
+                          </a:rPr>
+                        </m:ctrlPr>
+                      </m:sSubSupPr>
+                      <m:e>
+                        <m:r>
+                          <a:rPr lang="en-US" sz="2400" b="0" i="1">
+                            <a:latin typeface="Cambria Math" panose="02040503050406030204" pitchFamily="18" charset="0"/>
+                          </a:rPr>
+                          <m:t>𝑇</m:t>
+                        </m:r>
+                      </m:e>
+                      <m:sub>
+                        <m:r>
+                          <a:rPr lang="en-US" sz="2400" b="0" i="1">
+                            <a:latin typeface="Cambria Math" panose="02040503050406030204" pitchFamily="18" charset="0"/>
+                          </a:rPr>
+                          <m:t>𝑁𝐹</m:t>
+                        </m:r>
+                      </m:sub>
+                      <m:sup>
+                        <m:r>
+                          <a:rPr lang="en-US" sz="2400" b="0" i="1">
+                            <a:latin typeface="Cambria Math" panose="02040503050406030204" pitchFamily="18" charset="0"/>
+                          </a:rPr>
+                          <m:t>∗</m:t>
+                        </m:r>
+                      </m:sup>
+                    </m:sSubSup>
+                    <m:r>
+                      <a:rPr lang="en-US" sz="2400" b="0" i="1">
+                        <a:latin typeface="Cambria Math" panose="02040503050406030204" pitchFamily="18" charset="0"/>
+                      </a:rPr>
+                      <m:t>=</m:t>
+                    </m:r>
+                    <m:r>
+                      <a:rPr lang="en-US" sz="2400" b="0" i="1">
+                        <a:latin typeface="Cambria Math" panose="02040503050406030204" pitchFamily="18" charset="0"/>
+                      </a:rPr>
+                      <m:t>𝑛𝑠𝑡</m:t>
+                    </m:r>
+                  </m:oMath>
+                </a14:m>
+                <a:endParaRPr lang="en-US" sz="2400" b="0" dirty="0"/>
+              </a:p>
+              <a:p>
+                <a:r>
+                  <a:rPr lang="en-US" sz="2400" dirty="0"/>
+                  <a:t>Speedup is </a:t>
+                </a:r>
+                <a14:m>
+                  <m:oMath xmlns:m="http://schemas.openxmlformats.org/officeDocument/2006/math">
+                    <m:r>
+                      <a:rPr lang="en-US" sz="2400" b="0" i="1">
+                        <a:latin typeface="Cambria Math" panose="02040503050406030204" pitchFamily="18" charset="0"/>
+                      </a:rPr>
+                      <m:t>𝑆</m:t>
+                    </m:r>
+                    <m:r>
+                      <a:rPr lang="en-US" sz="2400" b="0" i="1">
+                        <a:latin typeface="Cambria Math" panose="02040503050406030204" pitchFamily="18" charset="0"/>
+                      </a:rPr>
+                      <m:t>=</m:t>
+                    </m:r>
+                    <m:f>
+                      <m:fPr>
+                        <m:ctrlPr>
+                          <a:rPr lang="en-US" sz="2400" b="0" i="1">
+                            <a:latin typeface="Cambria Math" panose="02040503050406030204" pitchFamily="18" charset="0"/>
+                          </a:rPr>
+                        </m:ctrlPr>
+                      </m:fPr>
+                      <m:num>
+                        <m:sSubSup>
+                          <m:sSubSupPr>
+                            <m:ctrlPr>
+                              <a:rPr lang="en-US" sz="2400" b="0" i="1">
+                                <a:latin typeface="Cambria Math" panose="02040503050406030204" pitchFamily="18" charset="0"/>
+                              </a:rPr>
+                            </m:ctrlPr>
+                          </m:sSubSupPr>
+                          <m:e>
+                            <m:r>
+                              <a:rPr lang="en-US" sz="2400" b="0" i="1">
+                                <a:latin typeface="Cambria Math" panose="02040503050406030204" pitchFamily="18" charset="0"/>
+                              </a:rPr>
+                              <m:t>𝑇</m:t>
+                            </m:r>
+                          </m:e>
+                          <m:sub>
+                            <m:r>
+                              <a:rPr lang="en-US" sz="2400" b="0" i="1">
+                                <a:latin typeface="Cambria Math" panose="02040503050406030204" pitchFamily="18" charset="0"/>
+                              </a:rPr>
+                              <m:t>𝑁𝐹</m:t>
+                            </m:r>
+                          </m:sub>
+                          <m:sup>
+                            <m:r>
+                              <a:rPr lang="en-US" sz="2400" b="0" i="1">
+                                <a:latin typeface="Cambria Math" panose="02040503050406030204" pitchFamily="18" charset="0"/>
+                              </a:rPr>
+                              <m:t>∗</m:t>
+                            </m:r>
+                          </m:sup>
+                        </m:sSubSup>
+                      </m:num>
+                      <m:den>
+                        <m:sSub>
+                          <m:sSubPr>
+                            <m:ctrlPr>
+                              <a:rPr lang="en-US" sz="2400" b="0" i="1">
+                                <a:latin typeface="Cambria Math" panose="02040503050406030204" pitchFamily="18" charset="0"/>
+                              </a:rPr>
+                            </m:ctrlPr>
+                          </m:sSubPr>
+                          <m:e>
+                            <m:r>
+                              <a:rPr lang="en-US" sz="2400" b="0" i="1">
+                                <a:latin typeface="Cambria Math" panose="02040503050406030204" pitchFamily="18" charset="0"/>
+                              </a:rPr>
+                              <m:t>𝑇</m:t>
+                            </m:r>
+                          </m:e>
+                          <m:sub>
+                            <m:r>
+                              <a:rPr lang="en-US" sz="2400" b="0" i="1">
+                                <a:latin typeface="Cambria Math" panose="02040503050406030204" pitchFamily="18" charset="0"/>
+                              </a:rPr>
+                              <m:t>𝑁𝐹</m:t>
+                            </m:r>
+                          </m:sub>
+                        </m:sSub>
+                      </m:den>
+                    </m:f>
+                    <m:r>
+                      <a:rPr lang="en-US" sz="2400" b="0" i="1">
+                        <a:latin typeface="Cambria Math" panose="02040503050406030204" pitchFamily="18" charset="0"/>
+                      </a:rPr>
+                      <m:t>=</m:t>
+                    </m:r>
+                    <m:f>
+                      <m:fPr>
+                        <m:ctrlPr>
+                          <a:rPr lang="en-US" sz="2400" b="0" i="1">
+                            <a:latin typeface="Cambria Math" panose="02040503050406030204" pitchFamily="18" charset="0"/>
+                          </a:rPr>
+                        </m:ctrlPr>
+                      </m:fPr>
+                      <m:num>
+                        <m:r>
+                          <a:rPr lang="en-US" sz="2400" b="0" i="1">
+                            <a:latin typeface="Cambria Math" panose="02040503050406030204" pitchFamily="18" charset="0"/>
+                          </a:rPr>
+                          <m:t>𝑛𝑠𝑡</m:t>
+                        </m:r>
+                      </m:num>
+                      <m:den>
+                        <m:r>
+                          <a:rPr lang="en-US" sz="2400" b="0" i="1">
+                            <a:latin typeface="Cambria Math" panose="02040503050406030204" pitchFamily="18" charset="0"/>
+                          </a:rPr>
+                          <m:t>𝑡</m:t>
+                        </m:r>
+                        <m:r>
+                          <a:rPr lang="en-US" sz="2400" b="0" i="1">
+                            <a:latin typeface="Cambria Math" panose="02040503050406030204" pitchFamily="18" charset="0"/>
+                          </a:rPr>
+                          <m:t>(</m:t>
+                        </m:r>
+                        <m:r>
+                          <a:rPr lang="en-US" sz="2400" b="0" i="1">
+                            <a:latin typeface="Cambria Math" panose="02040503050406030204" pitchFamily="18" charset="0"/>
+                          </a:rPr>
+                          <m:t>𝑠</m:t>
+                        </m:r>
+                        <m:r>
+                          <a:rPr lang="en-US" sz="2400" b="0" i="1">
+                            <a:latin typeface="Cambria Math" panose="02040503050406030204" pitchFamily="18" charset="0"/>
+                          </a:rPr>
+                          <m:t>+</m:t>
+                        </m:r>
+                        <m:r>
+                          <a:rPr lang="en-US" sz="2400" b="0" i="1">
+                            <a:latin typeface="Cambria Math" panose="02040503050406030204" pitchFamily="18" charset="0"/>
+                          </a:rPr>
+                          <m:t>𝑛</m:t>
+                        </m:r>
+                        <m:r>
+                          <a:rPr lang="en-US" sz="2400" b="0" i="1">
+                            <a:latin typeface="Cambria Math" panose="02040503050406030204" pitchFamily="18" charset="0"/>
+                          </a:rPr>
+                          <m:t>−1)</m:t>
+                        </m:r>
+                      </m:den>
+                    </m:f>
+                    <m:r>
+                      <a:rPr lang="en-US" sz="2400" b="0" i="1">
+                        <a:latin typeface="Cambria Math" panose="02040503050406030204" pitchFamily="18" charset="0"/>
+                        <a:ea typeface="Cambria Math" panose="02040503050406030204" pitchFamily="18" charset="0"/>
+                      </a:rPr>
+                      <m:t>≈</m:t>
+                    </m:r>
+                    <m:f>
+                      <m:fPr>
+                        <m:ctrlPr>
+                          <a:rPr lang="en-US" sz="2400" b="0" i="1">
+                            <a:latin typeface="Cambria Math" panose="02040503050406030204" pitchFamily="18" charset="0"/>
+                            <a:ea typeface="Cambria Math" panose="02040503050406030204" pitchFamily="18" charset="0"/>
+                          </a:rPr>
+                        </m:ctrlPr>
+                      </m:fPr>
+                      <m:num>
+                        <m:r>
+                          <a:rPr lang="en-US" sz="2400" b="0" i="1">
+                            <a:latin typeface="Cambria Math" panose="02040503050406030204" pitchFamily="18" charset="0"/>
+                            <a:ea typeface="Cambria Math" panose="02040503050406030204" pitchFamily="18" charset="0"/>
+                          </a:rPr>
+                          <m:t>𝑛𝑠𝑡</m:t>
+                        </m:r>
+                      </m:num>
+                      <m:den>
+                        <m:r>
+                          <a:rPr lang="en-US" sz="2400" b="0" i="1">
+                            <a:latin typeface="Cambria Math" panose="02040503050406030204" pitchFamily="18" charset="0"/>
+                            <a:ea typeface="Cambria Math" panose="02040503050406030204" pitchFamily="18" charset="0"/>
+                          </a:rPr>
+                          <m:t>𝑛𝑡</m:t>
+                        </m:r>
+                      </m:den>
+                    </m:f>
+                    <m:r>
+                      <a:rPr lang="en-US" sz="2400" b="0" i="1">
+                        <a:latin typeface="Cambria Math" panose="02040503050406030204" pitchFamily="18" charset="0"/>
+                        <a:ea typeface="Cambria Math" panose="02040503050406030204" pitchFamily="18" charset="0"/>
+                      </a:rPr>
+                      <m:t>=</m:t>
+                    </m:r>
+                    <m:r>
+                      <a:rPr lang="en-US" sz="2400" b="0" i="1">
+                        <a:latin typeface="Cambria Math" panose="02040503050406030204" pitchFamily="18" charset="0"/>
+                        <a:ea typeface="Cambria Math" panose="02040503050406030204" pitchFamily="18" charset="0"/>
+                      </a:rPr>
+                      <m:t>𝑠</m:t>
+                    </m:r>
+                  </m:oMath>
+                </a14:m>
+                <a:r>
+                  <a:rPr lang="en-US" sz="2400" dirty="0"/>
+                  <a:t>, so S=O(s), where n &gt;&gt; s.</a:t>
+                </a:r>
+              </a:p>
+            </p:txBody>
+          </p:sp>
+        </mc:Choice>
+        <mc:Fallback>
+          <p:sp>
+            <p:nvSpPr>
+              <p:cNvPr id="3" name="Content Placeholder 2">
+                <a:extLst>
+                  <a:ext uri="{FF2B5EF4-FFF2-40B4-BE49-F238E27FC236}">
+                    <a16:creationId xmlns:a16="http://schemas.microsoft.com/office/drawing/2014/main" id="{C8F82FF9-E635-CB49-A567-A1F0094035D5}"/>
+                  </a:ext>
+                </a:extLst>
+              </p:cNvPr>
+              <p:cNvSpPr>
+                <a:spLocks noGrp="1" noRot="1" noChangeAspect="1" noMove="1" noResize="1" noEditPoints="1" noAdjustHandles="1" noChangeArrowheads="1" noChangeShapeType="1" noTextEdit="1"/>
+              </p:cNvSpPr>
+              <p:nvPr>
+                <p:ph idx="1"/>
+              </p:nvPr>
+            </p:nvSpPr>
+            <p:spPr>
+              <a:xfrm>
+                <a:off x="838200" y="554840"/>
+                <a:ext cx="10515600" cy="3493530"/>
+              </a:xfrm>
+              <a:blipFill>
+                <a:blip r:embed="rId2"/>
+                <a:stretch>
+                  <a:fillRect l="-724" b="-1449"/>
+                </a:stretch>
+              </a:blipFill>
+            </p:spPr>
+            <p:txBody>
+              <a:bodyPr/>
+              <a:lstStyle/>
+              <a:p>
+                <a:r>
+                  <a:rPr lang="en-US">
+                    <a:noFill/>
+                  </a:rPr>
+                  <a:t> </a:t>
+                </a:r>
+              </a:p>
+            </p:txBody>
+          </p:sp>
+        </mc:Fallback>
+      </mc:AlternateContent>
     </p:spTree>
     <p:extLst>
       <p:ext uri="{BB962C8B-B14F-4D97-AF65-F5344CB8AC3E}">
-        <p14:creationId xmlns:p14="http://schemas.microsoft.com/office/powerpoint/2010/main" val="2157392188"/>
+        <p14:creationId xmlns:p14="http://schemas.microsoft.com/office/powerpoint/2010/main" val="2809212723"/>
       </p:ext>
     </p:extLst>
   </p:cSld>
@@ -10861,6 +12873,418 @@
                       </p:childTnLst>
                     </p:cTn>
                   </p:par>
+                  <p:par>
+                    <p:cTn id="21" fill="hold">
+                      <p:stCondLst>
+                        <p:cond delay="indefinite"/>
+                      </p:stCondLst>
+                      <p:childTnLst>
+                        <p:par>
+                          <p:cTn id="22" fill="hold">
+                            <p:stCondLst>
+                              <p:cond delay="0"/>
+                            </p:stCondLst>
+                            <p:childTnLst>
+                              <p:par>
+                                <p:cTn id="23" presetID="2" presetClass="entr" presetSubtype="4" fill="hold" grpId="0" nodeType="clickEffect">
+                                  <p:stCondLst>
+                                    <p:cond delay="0"/>
+                                  </p:stCondLst>
+                                  <p:childTnLst>
+                                    <p:set>
+                                      <p:cBhvr>
+                                        <p:cTn id="24" dur="1" fill="hold">
+                                          <p:stCondLst>
+                                            <p:cond delay="0"/>
+                                          </p:stCondLst>
+                                        </p:cTn>
+                                        <p:tgtEl>
+                                          <p:spTgt spid="3">
+                                            <p:txEl>
+                                              <p:pRg st="3" end="3"/>
+                                            </p:txEl>
+                                          </p:spTgt>
+                                        </p:tgtEl>
+                                        <p:attrNameLst>
+                                          <p:attrName>style.visibility</p:attrName>
+                                        </p:attrNameLst>
+                                      </p:cBhvr>
+                                      <p:to>
+                                        <p:strVal val="visible"/>
+                                      </p:to>
+                                    </p:set>
+                                    <p:anim calcmode="lin" valueType="num">
+                                      <p:cBhvr additive="base">
+                                        <p:cTn id="25" dur="500" fill="hold"/>
+                                        <p:tgtEl>
+                                          <p:spTgt spid="3">
+                                            <p:txEl>
+                                              <p:pRg st="3" end="3"/>
+                                            </p:txEl>
+                                          </p:spTgt>
+                                        </p:tgtEl>
+                                        <p:attrNameLst>
+                                          <p:attrName>ppt_x</p:attrName>
+                                        </p:attrNameLst>
+                                      </p:cBhvr>
+                                      <p:tavLst>
+                                        <p:tav tm="0">
+                                          <p:val>
+                                            <p:strVal val="#ppt_x"/>
+                                          </p:val>
+                                        </p:tav>
+                                        <p:tav tm="100000">
+                                          <p:val>
+                                            <p:strVal val="#ppt_x"/>
+                                          </p:val>
+                                        </p:tav>
+                                      </p:tavLst>
+                                    </p:anim>
+                                    <p:anim calcmode="lin" valueType="num">
+                                      <p:cBhvr additive="base">
+                                        <p:cTn id="26" dur="500" fill="hold"/>
+                                        <p:tgtEl>
+                                          <p:spTgt spid="3">
+                                            <p:txEl>
+                                              <p:pRg st="3" end="3"/>
+                                            </p:txEl>
+                                          </p:spTgt>
+                                        </p:tgtEl>
+                                        <p:attrNameLst>
+                                          <p:attrName>ppt_y</p:attrName>
+                                        </p:attrNameLst>
+                                      </p:cBhvr>
+                                      <p:tavLst>
+                                        <p:tav tm="0">
+                                          <p:val>
+                                            <p:strVal val="1+#ppt_h/2"/>
+                                          </p:val>
+                                        </p:tav>
+                                        <p:tav tm="100000">
+                                          <p:val>
+                                            <p:strVal val="#ppt_y"/>
+                                          </p:val>
+                                        </p:tav>
+                                      </p:tavLst>
+                                    </p:anim>
+                                  </p:childTnLst>
+                                </p:cTn>
+                              </p:par>
+                            </p:childTnLst>
+                          </p:cTn>
+                        </p:par>
+                      </p:childTnLst>
+                    </p:cTn>
+                  </p:par>
+                  <p:par>
+                    <p:cTn id="27" fill="hold">
+                      <p:stCondLst>
+                        <p:cond delay="indefinite"/>
+                      </p:stCondLst>
+                      <p:childTnLst>
+                        <p:par>
+                          <p:cTn id="28" fill="hold">
+                            <p:stCondLst>
+                              <p:cond delay="0"/>
+                            </p:stCondLst>
+                            <p:childTnLst>
+                              <p:par>
+                                <p:cTn id="29" presetID="2" presetClass="entr" presetSubtype="4" fill="hold" grpId="0" nodeType="clickEffect">
+                                  <p:stCondLst>
+                                    <p:cond delay="0"/>
+                                  </p:stCondLst>
+                                  <p:childTnLst>
+                                    <p:set>
+                                      <p:cBhvr>
+                                        <p:cTn id="30" dur="1" fill="hold">
+                                          <p:stCondLst>
+                                            <p:cond delay="0"/>
+                                          </p:stCondLst>
+                                        </p:cTn>
+                                        <p:tgtEl>
+                                          <p:spTgt spid="3">
+                                            <p:txEl>
+                                              <p:pRg st="4" end="4"/>
+                                            </p:txEl>
+                                          </p:spTgt>
+                                        </p:tgtEl>
+                                        <p:attrNameLst>
+                                          <p:attrName>style.visibility</p:attrName>
+                                        </p:attrNameLst>
+                                      </p:cBhvr>
+                                      <p:to>
+                                        <p:strVal val="visible"/>
+                                      </p:to>
+                                    </p:set>
+                                    <p:anim calcmode="lin" valueType="num">
+                                      <p:cBhvr additive="base">
+                                        <p:cTn id="31" dur="500" fill="hold"/>
+                                        <p:tgtEl>
+                                          <p:spTgt spid="3">
+                                            <p:txEl>
+                                              <p:pRg st="4" end="4"/>
+                                            </p:txEl>
+                                          </p:spTgt>
+                                        </p:tgtEl>
+                                        <p:attrNameLst>
+                                          <p:attrName>ppt_x</p:attrName>
+                                        </p:attrNameLst>
+                                      </p:cBhvr>
+                                      <p:tavLst>
+                                        <p:tav tm="0">
+                                          <p:val>
+                                            <p:strVal val="#ppt_x"/>
+                                          </p:val>
+                                        </p:tav>
+                                        <p:tav tm="100000">
+                                          <p:val>
+                                            <p:strVal val="#ppt_x"/>
+                                          </p:val>
+                                        </p:tav>
+                                      </p:tavLst>
+                                    </p:anim>
+                                    <p:anim calcmode="lin" valueType="num">
+                                      <p:cBhvr additive="base">
+                                        <p:cTn id="32" dur="500" fill="hold"/>
+                                        <p:tgtEl>
+                                          <p:spTgt spid="3">
+                                            <p:txEl>
+                                              <p:pRg st="4" end="4"/>
+                                            </p:txEl>
+                                          </p:spTgt>
+                                        </p:tgtEl>
+                                        <p:attrNameLst>
+                                          <p:attrName>ppt_y</p:attrName>
+                                        </p:attrNameLst>
+                                      </p:cBhvr>
+                                      <p:tavLst>
+                                        <p:tav tm="0">
+                                          <p:val>
+                                            <p:strVal val="1+#ppt_h/2"/>
+                                          </p:val>
+                                        </p:tav>
+                                        <p:tav tm="100000">
+                                          <p:val>
+                                            <p:strVal val="#ppt_y"/>
+                                          </p:val>
+                                        </p:tav>
+                                      </p:tavLst>
+                                    </p:anim>
+                                  </p:childTnLst>
+                                </p:cTn>
+                              </p:par>
+                            </p:childTnLst>
+                          </p:cTn>
+                        </p:par>
+                      </p:childTnLst>
+                    </p:cTn>
+                  </p:par>
+                  <p:par>
+                    <p:cTn id="33" fill="hold">
+                      <p:stCondLst>
+                        <p:cond delay="indefinite"/>
+                      </p:stCondLst>
+                      <p:childTnLst>
+                        <p:par>
+                          <p:cTn id="34" fill="hold">
+                            <p:stCondLst>
+                              <p:cond delay="0"/>
+                            </p:stCondLst>
+                            <p:childTnLst>
+                              <p:par>
+                                <p:cTn id="35" presetID="2" presetClass="entr" presetSubtype="4" fill="hold" grpId="0" nodeType="clickEffect">
+                                  <p:stCondLst>
+                                    <p:cond delay="0"/>
+                                  </p:stCondLst>
+                                  <p:childTnLst>
+                                    <p:set>
+                                      <p:cBhvr>
+                                        <p:cTn id="36" dur="1" fill="hold">
+                                          <p:stCondLst>
+                                            <p:cond delay="0"/>
+                                          </p:stCondLst>
+                                        </p:cTn>
+                                        <p:tgtEl>
+                                          <p:spTgt spid="3">
+                                            <p:txEl>
+                                              <p:pRg st="5" end="5"/>
+                                            </p:txEl>
+                                          </p:spTgt>
+                                        </p:tgtEl>
+                                        <p:attrNameLst>
+                                          <p:attrName>style.visibility</p:attrName>
+                                        </p:attrNameLst>
+                                      </p:cBhvr>
+                                      <p:to>
+                                        <p:strVal val="visible"/>
+                                      </p:to>
+                                    </p:set>
+                                    <p:anim calcmode="lin" valueType="num">
+                                      <p:cBhvr additive="base">
+                                        <p:cTn id="37" dur="500" fill="hold"/>
+                                        <p:tgtEl>
+                                          <p:spTgt spid="3">
+                                            <p:txEl>
+                                              <p:pRg st="5" end="5"/>
+                                            </p:txEl>
+                                          </p:spTgt>
+                                        </p:tgtEl>
+                                        <p:attrNameLst>
+                                          <p:attrName>ppt_x</p:attrName>
+                                        </p:attrNameLst>
+                                      </p:cBhvr>
+                                      <p:tavLst>
+                                        <p:tav tm="0">
+                                          <p:val>
+                                            <p:strVal val="#ppt_x"/>
+                                          </p:val>
+                                        </p:tav>
+                                        <p:tav tm="100000">
+                                          <p:val>
+                                            <p:strVal val="#ppt_x"/>
+                                          </p:val>
+                                        </p:tav>
+                                      </p:tavLst>
+                                    </p:anim>
+                                    <p:anim calcmode="lin" valueType="num">
+                                      <p:cBhvr additive="base">
+                                        <p:cTn id="38" dur="500" fill="hold"/>
+                                        <p:tgtEl>
+                                          <p:spTgt spid="3">
+                                            <p:txEl>
+                                              <p:pRg st="5" end="5"/>
+                                            </p:txEl>
+                                          </p:spTgt>
+                                        </p:tgtEl>
+                                        <p:attrNameLst>
+                                          <p:attrName>ppt_y</p:attrName>
+                                        </p:attrNameLst>
+                                      </p:cBhvr>
+                                      <p:tavLst>
+                                        <p:tav tm="0">
+                                          <p:val>
+                                            <p:strVal val="1+#ppt_h/2"/>
+                                          </p:val>
+                                        </p:tav>
+                                        <p:tav tm="100000">
+                                          <p:val>
+                                            <p:strVal val="#ppt_y"/>
+                                          </p:val>
+                                        </p:tav>
+                                      </p:tavLst>
+                                    </p:anim>
+                                  </p:childTnLst>
+                                </p:cTn>
+                              </p:par>
+                            </p:childTnLst>
+                          </p:cTn>
+                        </p:par>
+                      </p:childTnLst>
+                    </p:cTn>
+                  </p:par>
+                  <p:par>
+                    <p:cTn id="39" fill="hold">
+                      <p:stCondLst>
+                        <p:cond delay="indefinite"/>
+                      </p:stCondLst>
+                      <p:childTnLst>
+                        <p:par>
+                          <p:cTn id="40" fill="hold">
+                            <p:stCondLst>
+                              <p:cond delay="0"/>
+                            </p:stCondLst>
+                            <p:childTnLst>
+                              <p:par>
+                                <p:cTn id="41" presetID="2" presetClass="entr" presetSubtype="4" fill="hold" grpId="0" nodeType="clickEffect">
+                                  <p:stCondLst>
+                                    <p:cond delay="0"/>
+                                  </p:stCondLst>
+                                  <p:childTnLst>
+                                    <p:set>
+                                      <p:cBhvr>
+                                        <p:cTn id="42" dur="1" fill="hold">
+                                          <p:stCondLst>
+                                            <p:cond delay="0"/>
+                                          </p:stCondLst>
+                                        </p:cTn>
+                                        <p:tgtEl>
+                                          <p:spTgt spid="3">
+                                            <p:txEl>
+                                              <p:pRg st="6" end="6"/>
+                                            </p:txEl>
+                                          </p:spTgt>
+                                        </p:tgtEl>
+                                        <p:attrNameLst>
+                                          <p:attrName>style.visibility</p:attrName>
+                                        </p:attrNameLst>
+                                      </p:cBhvr>
+                                      <p:to>
+                                        <p:strVal val="visible"/>
+                                      </p:to>
+                                    </p:set>
+                                    <p:anim calcmode="lin" valueType="num">
+                                      <p:cBhvr additive="base">
+                                        <p:cTn id="43" dur="500" fill="hold"/>
+                                        <p:tgtEl>
+                                          <p:spTgt spid="3">
+                                            <p:txEl>
+                                              <p:pRg st="6" end="6"/>
+                                            </p:txEl>
+                                          </p:spTgt>
+                                        </p:tgtEl>
+                                        <p:attrNameLst>
+                                          <p:attrName>ppt_x</p:attrName>
+                                        </p:attrNameLst>
+                                      </p:cBhvr>
+                                      <p:tavLst>
+                                        <p:tav tm="0">
+                                          <p:val>
+                                            <p:strVal val="#ppt_x"/>
+                                          </p:val>
+                                        </p:tav>
+                                        <p:tav tm="100000">
+                                          <p:val>
+                                            <p:strVal val="#ppt_x"/>
+                                          </p:val>
+                                        </p:tav>
+                                      </p:tavLst>
+                                    </p:anim>
+                                    <p:anim calcmode="lin" valueType="num">
+                                      <p:cBhvr additive="base">
+                                        <p:cTn id="44" dur="500" fill="hold"/>
+                                        <p:tgtEl>
+                                          <p:spTgt spid="3">
+                                            <p:txEl>
+                                              <p:pRg st="6" end="6"/>
+                                            </p:txEl>
+                                          </p:spTgt>
+                                        </p:tgtEl>
+                                        <p:attrNameLst>
+                                          <p:attrName>ppt_y</p:attrName>
+                                        </p:attrNameLst>
+                                      </p:cBhvr>
+                                      <p:tavLst>
+                                        <p:tav tm="0">
+                                          <p:val>
+                                            <p:strVal val="1+#ppt_h/2"/>
+                                          </p:val>
+                                        </p:tav>
+                                        <p:tav tm="100000">
+                                          <p:val>
+                                            <p:strVal val="#ppt_y"/>
+                                          </p:val>
+                                        </p:tav>
+                                      </p:tavLst>
+                                    </p:anim>
+                                  </p:childTnLst>
+                                </p:cTn>
+                              </p:par>
+                            </p:childTnLst>
+                          </p:cTn>
+                        </p:par>
+                      </p:childTnLst>
+                    </p:cTn>
+                  </p:par>
                 </p:childTnLst>
               </p:cTn>
               <p:prevCondLst>
@@ -10884,6 +13308,1250 @@
     </p:tnLst>
     <p:bldLst>
       <p:bldP spid="3" grpId="0" build="p"/>
+    </p:bldLst>
+  </p:timing>
+</p:sld>
+</file>
+
+<file path=ppt/slides/slide9.xml><?xml version="1.0" encoding="utf-8"?>
+<p:sld xmlns:a="http://schemas.openxmlformats.org/drawingml/2006/main" xmlns:r="http://schemas.openxmlformats.org/officeDocument/2006/relationships" xmlns:p="http://schemas.openxmlformats.org/presentationml/2006/main">
+  <p:cSld>
+    <p:bg>
+      <p:bgPr>
+        <a:solidFill>
+          <a:schemeClr val="bg1"/>
+        </a:solidFill>
+        <a:effectLst/>
+      </p:bgPr>
+    </p:bg>
+    <p:spTree>
+      <p:nvGrpSpPr>
+        <p:cNvPr id="1" name=""/>
+        <p:cNvGrpSpPr/>
+        <p:nvPr/>
+      </p:nvGrpSpPr>
+      <p:grpSpPr>
+        <a:xfrm>
+          <a:off x="0" y="0"/>
+          <a:ext cx="0" cy="0"/>
+          <a:chOff x="0" y="0"/>
+          <a:chExt cx="0" cy="0"/>
+        </a:xfrm>
+      </p:grpSpPr>
+      <p:sp>
+        <p:nvSpPr>
+          <p:cNvPr id="2" name="Title 1">
+            <a:extLst>
+              <a:ext uri="{FF2B5EF4-FFF2-40B4-BE49-F238E27FC236}">
+                <a16:creationId xmlns:a16="http://schemas.microsoft.com/office/drawing/2014/main" id="{BEB21991-1345-0D42-9582-862E1D073965}"/>
+              </a:ext>
+            </a:extLst>
+          </p:cNvPr>
+          <p:cNvSpPr>
+            <a:spLocks noGrp="1"/>
+          </p:cNvSpPr>
+          <p:nvPr>
+            <p:ph type="title"/>
+          </p:nvPr>
+        </p:nvSpPr>
+        <p:spPr>
+          <a:xfrm>
+            <a:off x="4395356" y="474192"/>
+            <a:ext cx="6958444" cy="1810166"/>
+          </a:xfrm>
+        </p:spPr>
+        <p:txBody>
+          <a:bodyPr vert="horz" lIns="91440" tIns="45720" rIns="91440" bIns="45720" rtlCol="0" anchor="ctr">
+            <a:normAutofit/>
+          </a:bodyPr>
+          <a:lstStyle/>
+          <a:p>
+            <a:pPr algn="ctr"/>
+            <a:r>
+              <a:rPr lang="en-US" sz="4400" kern="1200" dirty="0">
+                <a:solidFill>
+                  <a:schemeClr val="tx1"/>
+                </a:solidFill>
+                <a:latin typeface="+mj-lt"/>
+                <a:ea typeface="+mj-ea"/>
+                <a:cs typeface="+mj-cs"/>
+              </a:rPr>
+              <a:t>Distributed Memory Programming with MPI</a:t>
+            </a:r>
+          </a:p>
+        </p:txBody>
+      </p:sp>
+      <p:pic>
+        <p:nvPicPr>
+          <p:cNvPr id="4" name="Picture 3">
+            <a:extLst>
+              <a:ext uri="{FF2B5EF4-FFF2-40B4-BE49-F238E27FC236}">
+                <a16:creationId xmlns:a16="http://schemas.microsoft.com/office/drawing/2014/main" id="{82DE61F7-4BF9-C845-975B-A4A402CFF31A}"/>
+              </a:ext>
+            </a:extLst>
+          </p:cNvPr>
+          <p:cNvPicPr>
+            <a:picLocks noChangeAspect="1"/>
+          </p:cNvPicPr>
+          <p:nvPr/>
+        </p:nvPicPr>
+        <p:blipFill>
+          <a:blip r:embed="rId2"/>
+          <a:stretch>
+            <a:fillRect/>
+          </a:stretch>
+        </p:blipFill>
+        <p:spPr>
+          <a:xfrm>
+            <a:off x="86382" y="368064"/>
+            <a:ext cx="4344964" cy="2181172"/>
+          </a:xfrm>
+          <a:prstGeom prst="rect">
+            <a:avLst/>
+          </a:prstGeom>
+        </p:spPr>
+      </p:pic>
+      <p:pic>
+        <p:nvPicPr>
+          <p:cNvPr id="5" name="Picture 4">
+            <a:extLst>
+              <a:ext uri="{FF2B5EF4-FFF2-40B4-BE49-F238E27FC236}">
+                <a16:creationId xmlns:a16="http://schemas.microsoft.com/office/drawing/2014/main" id="{E694918C-46DE-4A4B-B947-C2C2F86465C9}"/>
+              </a:ext>
+            </a:extLst>
+          </p:cNvPr>
+          <p:cNvPicPr>
+            <a:picLocks noChangeAspect="1"/>
+          </p:cNvPicPr>
+          <p:nvPr/>
+        </p:nvPicPr>
+        <p:blipFill>
+          <a:blip r:embed="rId3"/>
+          <a:stretch>
+            <a:fillRect/>
+          </a:stretch>
+        </p:blipFill>
+        <p:spPr>
+          <a:xfrm>
+            <a:off x="86381" y="2833443"/>
+            <a:ext cx="6464585" cy="1406047"/>
+          </a:xfrm>
+          <a:prstGeom prst="rect">
+            <a:avLst/>
+          </a:prstGeom>
+        </p:spPr>
+      </p:pic>
+      <p:pic>
+        <p:nvPicPr>
+          <p:cNvPr id="7" name="Picture 6">
+            <a:extLst>
+              <a:ext uri="{FF2B5EF4-FFF2-40B4-BE49-F238E27FC236}">
+                <a16:creationId xmlns:a16="http://schemas.microsoft.com/office/drawing/2014/main" id="{1DF9D87F-E52E-8C40-A921-DEA0DFB0CC66}"/>
+              </a:ext>
+            </a:extLst>
+          </p:cNvPr>
+          <p:cNvPicPr>
+            <a:picLocks noChangeAspect="1"/>
+          </p:cNvPicPr>
+          <p:nvPr/>
+        </p:nvPicPr>
+        <p:blipFill>
+          <a:blip r:embed="rId4"/>
+          <a:stretch>
+            <a:fillRect/>
+          </a:stretch>
+        </p:blipFill>
+        <p:spPr>
+          <a:xfrm>
+            <a:off x="86382" y="4696122"/>
+            <a:ext cx="6683907" cy="1687686"/>
+          </a:xfrm>
+          <a:prstGeom prst="rect">
+            <a:avLst/>
+          </a:prstGeom>
+        </p:spPr>
+      </p:pic>
+      <p:sp>
+        <p:nvSpPr>
+          <p:cNvPr id="6" name="TextBox 5">
+            <a:extLst>
+              <a:ext uri="{FF2B5EF4-FFF2-40B4-BE49-F238E27FC236}">
+                <a16:creationId xmlns:a16="http://schemas.microsoft.com/office/drawing/2014/main" id="{BFE8FC40-FAFC-3E44-9D8C-2AE9601CFF4E}"/>
+              </a:ext>
+            </a:extLst>
+          </p:cNvPr>
+          <p:cNvSpPr txBox="1"/>
+          <p:nvPr/>
+        </p:nvSpPr>
+        <p:spPr>
+          <a:xfrm>
+            <a:off x="6982691" y="2426019"/>
+            <a:ext cx="5209310" cy="3750943"/>
+          </a:xfrm>
+          <a:prstGeom prst="rect">
+            <a:avLst/>
+          </a:prstGeom>
+        </p:spPr>
+        <p:txBody>
+          <a:bodyPr vert="horz" lIns="91440" tIns="45720" rIns="91440" bIns="45720" rtlCol="0">
+            <a:normAutofit lnSpcReduction="10000"/>
+          </a:bodyPr>
+          <a:lstStyle/>
+          <a:p>
+            <a:pPr>
+              <a:lnSpc>
+                <a:spcPct val="90000"/>
+              </a:lnSpc>
+              <a:spcAft>
+                <a:spcPts val="600"/>
+              </a:spcAft>
+            </a:pPr>
+            <a:r>
+              <a:rPr lang="en-US" sz="1500" kern="1200" dirty="0">
+                <a:solidFill>
+                  <a:schemeClr val="tx1"/>
+                </a:solidFill>
+                <a:latin typeface="Courier New" panose="02070309020205020404" pitchFamily="49" charset="0"/>
+                <a:cs typeface="Courier New" panose="02070309020205020404" pitchFamily="49" charset="0"/>
+              </a:rPr>
+              <a:t>p = my_processor_number()</a:t>
+            </a:r>
+          </a:p>
+          <a:p>
+            <a:pPr>
+              <a:lnSpc>
+                <a:spcPct val="90000"/>
+              </a:lnSpc>
+              <a:spcAft>
+                <a:spcPts val="600"/>
+              </a:spcAft>
+            </a:pPr>
+            <a:endParaRPr lang="en-US" sz="1500" kern="1200" dirty="0">
+              <a:solidFill>
+                <a:schemeClr val="tx1"/>
+              </a:solidFill>
+              <a:latin typeface="Courier New" panose="02070309020205020404" pitchFamily="49" charset="0"/>
+              <a:cs typeface="Courier New" panose="02070309020205020404" pitchFamily="49" charset="0"/>
+            </a:endParaRPr>
+          </a:p>
+          <a:p>
+            <a:pPr>
+              <a:lnSpc>
+                <a:spcPct val="90000"/>
+              </a:lnSpc>
+              <a:spcAft>
+                <a:spcPts val="600"/>
+              </a:spcAft>
+            </a:pPr>
+            <a:r>
+              <a:rPr lang="en-US" sz="1500" kern="1200" dirty="0">
+                <a:solidFill>
+                  <a:schemeClr val="tx1"/>
+                </a:solidFill>
+                <a:latin typeface="Courier New" panose="02070309020205020404" pitchFamily="49" charset="0"/>
+                <a:cs typeface="Courier New" panose="02070309020205020404" pitchFamily="49" charset="0"/>
+              </a:rPr>
+              <a:t># send my data</a:t>
+            </a:r>
+          </a:p>
+          <a:p>
+            <a:pPr>
+              <a:lnSpc>
+                <a:spcPct val="90000"/>
+              </a:lnSpc>
+              <a:spcAft>
+                <a:spcPts val="600"/>
+              </a:spcAft>
+            </a:pPr>
+            <a:r>
+              <a:rPr lang="en-US" sz="1500" kern="1200" dirty="0">
+                <a:solidFill>
+                  <a:schemeClr val="tx1"/>
+                </a:solidFill>
+                <a:latin typeface="Courier New" panose="02070309020205020404" pitchFamily="49" charset="0"/>
+                <a:cs typeface="Courier New" panose="02070309020205020404" pitchFamily="49" charset="0"/>
+              </a:rPr>
+              <a:t>my_line.MPI_Send(to=p-1,cells=N)</a:t>
+            </a:r>
+          </a:p>
+          <a:p>
+            <a:pPr>
+              <a:lnSpc>
+                <a:spcPct val="90000"/>
+              </a:lnSpc>
+              <a:spcAft>
+                <a:spcPts val="600"/>
+              </a:spcAft>
+            </a:pPr>
+            <a:r>
+              <a:rPr lang="en-US" sz="1500" kern="1200" dirty="0">
+                <a:solidFill>
+                  <a:schemeClr val="tx1"/>
+                </a:solidFill>
+                <a:latin typeface="Courier New" panose="02070309020205020404" pitchFamily="49" charset="0"/>
+                <a:cs typeface="Courier New" panose="02070309020205020404" pitchFamily="49" charset="0"/>
+              </a:rPr>
+              <a:t>my_line.MPI_Send(to=p+1,cells=N)</a:t>
+            </a:r>
+          </a:p>
+          <a:p>
+            <a:pPr>
+              <a:lnSpc>
+                <a:spcPct val="90000"/>
+              </a:lnSpc>
+              <a:spcAft>
+                <a:spcPts val="600"/>
+              </a:spcAft>
+            </a:pPr>
+            <a:endParaRPr lang="en-US" sz="1500" kern="1200" dirty="0">
+              <a:solidFill>
+                <a:schemeClr val="tx1"/>
+              </a:solidFill>
+              <a:latin typeface="Courier New" panose="02070309020205020404" pitchFamily="49" charset="0"/>
+              <a:cs typeface="Courier New" panose="02070309020205020404" pitchFamily="49" charset="0"/>
+            </a:endParaRPr>
+          </a:p>
+          <a:p>
+            <a:pPr>
+              <a:lnSpc>
+                <a:spcPct val="90000"/>
+              </a:lnSpc>
+              <a:spcAft>
+                <a:spcPts val="600"/>
+              </a:spcAft>
+            </a:pPr>
+            <a:r>
+              <a:rPr lang="en-US" sz="1500" kern="1200" dirty="0">
+                <a:solidFill>
+                  <a:schemeClr val="tx1"/>
+                </a:solidFill>
+                <a:latin typeface="Courier New" panose="02070309020205020404" pitchFamily="49" charset="0"/>
+                <a:cs typeface="Courier New" panose="02070309020205020404" pitchFamily="49" charset="0"/>
+              </a:rPr>
+              <a:t># get data from neighbors</a:t>
+            </a:r>
+          </a:p>
+          <a:p>
+            <a:pPr>
+              <a:lnSpc>
+                <a:spcPct val="90000"/>
+              </a:lnSpc>
+              <a:spcAft>
+                <a:spcPts val="600"/>
+              </a:spcAft>
+            </a:pPr>
+            <a:r>
+              <a:rPr lang="en-US" sz="1500" kern="1200" dirty="0">
+                <a:solidFill>
+                  <a:schemeClr val="tx1"/>
+                </a:solidFill>
+                <a:latin typeface="Courier New" panose="02070309020205020404" pitchFamily="49" charset="0"/>
+                <a:cs typeface="Courier New" panose="02070309020205020404" pitchFamily="49" charset="0"/>
+              </a:rPr>
+              <a:t>high_line = MPI_Receive(from=p-1,cells=N)</a:t>
+            </a:r>
+          </a:p>
+          <a:p>
+            <a:pPr>
+              <a:lnSpc>
+                <a:spcPct val="90000"/>
+              </a:lnSpc>
+              <a:spcAft>
+                <a:spcPts val="600"/>
+              </a:spcAft>
+            </a:pPr>
+            <a:r>
+              <a:rPr lang="en-US" sz="1500" kern="1200" dirty="0">
+                <a:solidFill>
+                  <a:schemeClr val="tx1"/>
+                </a:solidFill>
+                <a:latin typeface="Courier New" panose="02070309020205020404" pitchFamily="49" charset="0"/>
+                <a:cs typeface="Courier New" panose="02070309020205020404" pitchFamily="49" charset="0"/>
+              </a:rPr>
+              <a:t>low_line = MPI_Receive(from=p+1,cells=N)</a:t>
+            </a:r>
+          </a:p>
+          <a:p>
+            <a:pPr>
+              <a:lnSpc>
+                <a:spcPct val="90000"/>
+              </a:lnSpc>
+              <a:spcAft>
+                <a:spcPts val="600"/>
+              </a:spcAft>
+            </a:pPr>
+            <a:endParaRPr lang="en-US" sz="1500" kern="1200" dirty="0">
+              <a:solidFill>
+                <a:schemeClr val="tx1"/>
+              </a:solidFill>
+              <a:latin typeface="Courier New" panose="02070309020205020404" pitchFamily="49" charset="0"/>
+              <a:cs typeface="Courier New" panose="02070309020205020404" pitchFamily="49" charset="0"/>
+            </a:endParaRPr>
+          </a:p>
+          <a:p>
+            <a:pPr>
+              <a:lnSpc>
+                <a:spcPct val="90000"/>
+              </a:lnSpc>
+              <a:spcAft>
+                <a:spcPts val="600"/>
+              </a:spcAft>
+            </a:pPr>
+            <a:r>
+              <a:rPr lang="en-US" sz="1500" kern="1200" dirty="0">
+                <a:solidFill>
+                  <a:schemeClr val="tx1"/>
+                </a:solidFill>
+                <a:latin typeface="Courier New" panose="02070309020205020404" pitchFamily="49" charset="0"/>
+                <a:cs typeface="Courier New" panose="02070309020205020404" pitchFamily="49" charset="0"/>
+              </a:rPr>
+              <a:t># do the local computation</a:t>
+            </a:r>
+          </a:p>
+          <a:p>
+            <a:pPr>
+              <a:lnSpc>
+                <a:spcPct val="90000"/>
+              </a:lnSpc>
+              <a:spcAft>
+                <a:spcPts val="600"/>
+              </a:spcAft>
+            </a:pPr>
+            <a:r>
+              <a:rPr lang="en-US" sz="1500" kern="1200" dirty="0">
+                <a:solidFill>
+                  <a:schemeClr val="tx1"/>
+                </a:solidFill>
+                <a:latin typeface="Courier New" panose="02070309020205020404" pitchFamily="49" charset="0"/>
+                <a:cs typeface="Courier New" panose="02070309020205020404" pitchFamily="49" charset="0"/>
+              </a:rPr>
+              <a:t>tmp_line = my_line.copy()</a:t>
+            </a:r>
+          </a:p>
+          <a:p>
+            <a:pPr>
+              <a:lnSpc>
+                <a:spcPct val="90000"/>
+              </a:lnSpc>
+              <a:spcAft>
+                <a:spcPts val="600"/>
+              </a:spcAft>
+            </a:pPr>
+            <a:r>
+              <a:rPr lang="en-US" sz="1500" kern="1200" dirty="0">
+                <a:solidFill>
+                  <a:schemeClr val="tx1"/>
+                </a:solidFill>
+                <a:latin typeface="Courier New" panose="02070309020205020404" pitchFamily="49" charset="0"/>
+                <a:cs typeface="Courier New" panose="02070309020205020404" pitchFamily="49" charset="0"/>
+              </a:rPr>
+              <a:t>my_line = life_line_update(</a:t>
+            </a:r>
+            <a:br>
+              <a:rPr lang="en-US" sz="1500" kern="1200" dirty="0">
+                <a:solidFill>
+                  <a:schemeClr val="tx1"/>
+                </a:solidFill>
+                <a:latin typeface="Courier New" panose="02070309020205020404" pitchFamily="49" charset="0"/>
+                <a:cs typeface="Courier New" panose="02070309020205020404" pitchFamily="49" charset="0"/>
+              </a:rPr>
+            </a:br>
+            <a:r>
+              <a:rPr lang="en-US" sz="1500" kern="1200" dirty="0">
+                <a:solidFill>
+                  <a:schemeClr val="tx1"/>
+                </a:solidFill>
+                <a:latin typeface="Courier New" panose="02070309020205020404" pitchFamily="49" charset="0"/>
+                <a:cs typeface="Courier New" panose="02070309020205020404" pitchFamily="49" charset="0"/>
+              </a:rPr>
+              <a:t>      high_line,tmp_line,low_line,N)</a:t>
+            </a:r>
+          </a:p>
+        </p:txBody>
+      </p:sp>
+      <p:sp>
+        <p:nvSpPr>
+          <p:cNvPr id="8" name="Striped Right Arrow 7">
+            <a:extLst>
+              <a:ext uri="{FF2B5EF4-FFF2-40B4-BE49-F238E27FC236}">
+                <a16:creationId xmlns:a16="http://schemas.microsoft.com/office/drawing/2014/main" id="{32D563C8-19ED-8743-B46B-1925E0014D1F}"/>
+              </a:ext>
+            </a:extLst>
+          </p:cNvPr>
+          <p:cNvSpPr/>
+          <p:nvPr/>
+        </p:nvSpPr>
+        <p:spPr>
+          <a:xfrm rot="2299942">
+            <a:off x="4070834" y="2616451"/>
+            <a:ext cx="3860284" cy="295271"/>
+          </a:xfrm>
+          <a:prstGeom prst="stripedRightArrow">
+            <a:avLst/>
+          </a:prstGeom>
+        </p:spPr>
+        <p:style>
+          <a:lnRef idx="2">
+            <a:schemeClr val="accent1">
+              <a:shade val="50000"/>
+            </a:schemeClr>
+          </a:lnRef>
+          <a:fillRef idx="1">
+            <a:schemeClr val="accent1"/>
+          </a:fillRef>
+          <a:effectRef idx="0">
+            <a:schemeClr val="accent1"/>
+          </a:effectRef>
+          <a:fontRef idx="minor">
+            <a:schemeClr val="lt1"/>
+          </a:fontRef>
+        </p:style>
+        <p:txBody>
+          <a:bodyPr rtlCol="0" anchor="ctr"/>
+          <a:lstStyle/>
+          <a:p>
+            <a:pPr algn="ctr"/>
+            <a:endParaRPr lang="en-US" dirty="0"/>
+          </a:p>
+        </p:txBody>
+      </p:sp>
+      <p:sp>
+        <p:nvSpPr>
+          <p:cNvPr id="9" name="TextBox 8">
+            <a:extLst>
+              <a:ext uri="{FF2B5EF4-FFF2-40B4-BE49-F238E27FC236}">
+                <a16:creationId xmlns:a16="http://schemas.microsoft.com/office/drawing/2014/main" id="{DF250525-097B-4A4A-B023-215756083588}"/>
+              </a:ext>
+            </a:extLst>
+          </p:cNvPr>
+          <p:cNvSpPr txBox="1"/>
+          <p:nvPr/>
+        </p:nvSpPr>
+        <p:spPr>
+          <a:xfrm>
+            <a:off x="0" y="166255"/>
+            <a:ext cx="5250873" cy="1477328"/>
+          </a:xfrm>
+          <a:prstGeom prst="rect">
+            <a:avLst/>
+          </a:prstGeom>
+          <a:noFill/>
+        </p:spPr>
+        <p:txBody>
+          <a:bodyPr wrap="square" rtlCol="0">
+            <a:spAutoFit/>
+          </a:bodyPr>
+          <a:lstStyle/>
+          <a:p>
+            <a:r>
+              <a:rPr lang="en-US" dirty="0"/>
+              <a:t>Suppose there are 5 processors organized in a ring (processor 0 can communicate with processor 5, and vice versa). If every processor makes a blocking send request to its neighbor, then all them will be blocked; nobody can issue a receive request.</a:t>
+            </a:r>
+          </a:p>
+        </p:txBody>
+      </p:sp>
+      <p:sp>
+        <p:nvSpPr>
+          <p:cNvPr id="17" name="TextBox 16">
+            <a:extLst>
+              <a:ext uri="{FF2B5EF4-FFF2-40B4-BE49-F238E27FC236}">
+                <a16:creationId xmlns:a16="http://schemas.microsoft.com/office/drawing/2014/main" id="{4BF5C534-6E31-5143-BEF9-AB1D7277F001}"/>
+              </a:ext>
+            </a:extLst>
+          </p:cNvPr>
+          <p:cNvSpPr txBox="1"/>
+          <p:nvPr/>
+        </p:nvSpPr>
+        <p:spPr>
+          <a:xfrm>
+            <a:off x="0" y="2592295"/>
+            <a:ext cx="6770289" cy="3897641"/>
+          </a:xfrm>
+          <a:prstGeom prst="rect">
+            <a:avLst/>
+          </a:prstGeom>
+          <a:solidFill>
+            <a:schemeClr val="bg1"/>
+          </a:solidFill>
+        </p:spPr>
+        <p:txBody>
+          <a:bodyPr wrap="square" rtlCol="0">
+            <a:noAutofit/>
+          </a:bodyPr>
+          <a:lstStyle/>
+          <a:p>
+            <a:r>
+              <a:rPr lang="en-US" dirty="0"/>
+              <a:t>Suppose we have an even number of processors organized in a ring. The sending and receiving of messages would be done in stages as follows:</a:t>
+            </a:r>
+          </a:p>
+          <a:p>
+            <a:endParaRPr lang="en-US" dirty="0"/>
+          </a:p>
+          <a:p>
+            <a:pPr marL="342900" indent="-342900">
+              <a:buFont typeface="+mj-lt"/>
+              <a:buAutoNum type="arabicPeriod"/>
+            </a:pPr>
+            <a:r>
+              <a:rPr lang="en-US" dirty="0"/>
+              <a:t>Even processors send to p-1. Odd processors receive from p+1.</a:t>
+            </a:r>
+          </a:p>
+          <a:p>
+            <a:pPr marL="342900" indent="-342900">
+              <a:buFont typeface="+mj-lt"/>
+              <a:buAutoNum type="arabicPeriod"/>
+            </a:pPr>
+            <a:r>
+              <a:rPr lang="en-US" dirty="0"/>
+              <a:t>Odd processors send to p-1. Even processors receive from p+1.</a:t>
+            </a:r>
+          </a:p>
+          <a:p>
+            <a:pPr marL="342900" indent="-342900">
+              <a:buFont typeface="+mj-lt"/>
+              <a:buAutoNum type="arabicPeriod"/>
+            </a:pPr>
+            <a:r>
+              <a:rPr lang="en-US" dirty="0"/>
+              <a:t>Even processors send to p+1. Odd processors receive from p-1.</a:t>
+            </a:r>
+          </a:p>
+          <a:p>
+            <a:pPr marL="342900" indent="-342900">
+              <a:buFont typeface="+mj-lt"/>
+              <a:buAutoNum type="arabicPeriod"/>
+            </a:pPr>
+            <a:r>
+              <a:rPr lang="en-US" dirty="0"/>
+              <a:t>Odd processors send to p+1. Even processors receive from p-1.</a:t>
+            </a:r>
+          </a:p>
+        </p:txBody>
+      </p:sp>
+      <p:sp>
+        <p:nvSpPr>
+          <p:cNvPr id="19" name="TextBox 18">
+            <a:extLst>
+              <a:ext uri="{FF2B5EF4-FFF2-40B4-BE49-F238E27FC236}">
+                <a16:creationId xmlns:a16="http://schemas.microsoft.com/office/drawing/2014/main" id="{377FBFB3-3A41-9049-B706-DE00854D9A02}"/>
+              </a:ext>
+            </a:extLst>
+          </p:cNvPr>
+          <p:cNvSpPr txBox="1"/>
+          <p:nvPr/>
+        </p:nvSpPr>
+        <p:spPr>
+          <a:xfrm>
+            <a:off x="86381" y="2446989"/>
+            <a:ext cx="12105619" cy="4244756"/>
+          </a:xfrm>
+          <a:prstGeom prst="rect">
+            <a:avLst/>
+          </a:prstGeom>
+          <a:solidFill>
+            <a:schemeClr val="bg1"/>
+          </a:solidFill>
+        </p:spPr>
+        <p:txBody>
+          <a:bodyPr vert="horz" lIns="91440" tIns="45720" rIns="91440" bIns="45720" rtlCol="0">
+            <a:normAutofit/>
+          </a:bodyPr>
+          <a:lstStyle/>
+          <a:p>
+            <a:r>
+              <a:rPr lang="en-US" dirty="0">
+                <a:latin typeface="Courier New" panose="02070309020205020404" pitchFamily="49" charset="0"/>
+                <a:cs typeface="Courier New" panose="02070309020205020404" pitchFamily="49" charset="0"/>
+              </a:rPr>
+              <a:t>MPI_Isend( buffer1, to=neighbor1, result=request1 );</a:t>
+            </a:r>
+          </a:p>
+          <a:p>
+            <a:r>
+              <a:rPr lang="en-US" dirty="0">
+                <a:latin typeface="Courier New" panose="02070309020205020404" pitchFamily="49" charset="0"/>
+                <a:cs typeface="Courier New" panose="02070309020205020404" pitchFamily="49" charset="0"/>
+              </a:rPr>
+              <a:t>MPI_Isend( buffer2, to=neighbor2, result=request2 );</a:t>
+            </a:r>
+          </a:p>
+          <a:p>
+            <a:r>
+              <a:rPr lang="en-US" dirty="0">
+                <a:latin typeface="Courier New" panose="02070309020205020404" pitchFamily="49" charset="0"/>
+                <a:cs typeface="Courier New" panose="02070309020205020404" pitchFamily="49" charset="0"/>
+              </a:rPr>
+              <a:t>MPI_Irecv( buffer3, from=neighbor1, result=request3 );</a:t>
+            </a:r>
+          </a:p>
+          <a:p>
+            <a:r>
+              <a:rPr lang="en-US" dirty="0">
+                <a:latin typeface="Courier New" panose="02070309020205020404" pitchFamily="49" charset="0"/>
+                <a:cs typeface="Courier New" panose="02070309020205020404" pitchFamily="49" charset="0"/>
+              </a:rPr>
+              <a:t>MPI_Irecv( buffer4, from=neighbor2, result=request4 );</a:t>
+            </a:r>
+          </a:p>
+          <a:p>
+            <a:endParaRPr lang="en-US" dirty="0">
+              <a:latin typeface="Courier New" panose="02070309020205020404" pitchFamily="49" charset="0"/>
+              <a:cs typeface="Courier New" panose="02070309020205020404" pitchFamily="49" charset="0"/>
+            </a:endParaRPr>
+          </a:p>
+          <a:p>
+            <a:r>
+              <a:rPr lang="en-US" dirty="0">
+                <a:latin typeface="Courier New" panose="02070309020205020404" pitchFamily="49" charset="0"/>
+                <a:cs typeface="Courier New" panose="02070309020205020404" pitchFamily="49" charset="0"/>
+              </a:rPr>
+              <a:t>// maybe execute some other code</a:t>
+            </a:r>
+          </a:p>
+          <a:p>
+            <a:endParaRPr lang="en-US" dirty="0">
+              <a:latin typeface="Courier New" panose="02070309020205020404" pitchFamily="49" charset="0"/>
+              <a:cs typeface="Courier New" panose="02070309020205020404" pitchFamily="49" charset="0"/>
+            </a:endParaRPr>
+          </a:p>
+          <a:p>
+            <a:r>
+              <a:rPr lang="en-US" dirty="0">
+                <a:latin typeface="Courier New" panose="02070309020205020404" pitchFamily="49" charset="0"/>
+                <a:cs typeface="Courier New" panose="02070309020205020404" pitchFamily="49" charset="0"/>
+              </a:rPr>
+              <a:t>MPI_Wait( request1 ); MPI_Wait( request2 );</a:t>
+            </a:r>
+          </a:p>
+          <a:p>
+            <a:r>
+              <a:rPr lang="en-US" dirty="0">
+                <a:latin typeface="Courier New" panose="02070309020205020404" pitchFamily="49" charset="0"/>
+                <a:cs typeface="Courier New" panose="02070309020205020404" pitchFamily="49" charset="0"/>
+              </a:rPr>
+              <a:t>MPI_Wait( request3 ); MPI_Wait( request4 );</a:t>
+            </a:r>
+          </a:p>
+          <a:p>
+            <a:endParaRPr lang="en-US" dirty="0">
+              <a:latin typeface="Courier New" panose="02070309020205020404" pitchFamily="49" charset="0"/>
+              <a:cs typeface="Courier New" panose="02070309020205020404" pitchFamily="49" charset="0"/>
+            </a:endParaRPr>
+          </a:p>
+          <a:p>
+            <a:r>
+              <a:rPr lang="en-US" dirty="0">
+                <a:latin typeface="Courier New" panose="02070309020205020404" pitchFamily="49" charset="0"/>
+                <a:cs typeface="Courier New" panose="02070309020205020404" pitchFamily="49" charset="0"/>
+              </a:rPr>
+              <a:t>// make sure the operations are done</a:t>
+            </a:r>
+          </a:p>
+        </p:txBody>
+      </p:sp>
+    </p:spTree>
+    <p:extLst>
+      <p:ext uri="{BB962C8B-B14F-4D97-AF65-F5344CB8AC3E}">
+        <p14:creationId xmlns:p14="http://schemas.microsoft.com/office/powerpoint/2010/main" val="670361923"/>
+      </p:ext>
+    </p:extLst>
+  </p:cSld>
+  <p:clrMapOvr>
+    <a:masterClrMapping/>
+  </p:clrMapOvr>
+  <mc:AlternateContent xmlns:mc="http://schemas.openxmlformats.org/markup-compatibility/2006" xmlns:p15="http://schemas.microsoft.com/office/powerpoint/2012/main">
+    <mc:Choice Requires="p15">
+      <p:transition xmlns:p14="http://schemas.microsoft.com/office/powerpoint/2010/main" spd="slow" p14:dur="2000">
+        <p15:prstTrans prst="drape"/>
+      </p:transition>
+    </mc:Choice>
+    <mc:Fallback xmlns="">
+      <p:transition spd="slow">
+        <p:fade/>
+      </p:transition>
+    </mc:Fallback>
+  </mc:AlternateContent>
+  <p:timing>
+    <p:tnLst>
+      <p:par>
+        <p:cTn id="1" dur="indefinite" restart="never" nodeType="tmRoot">
+          <p:childTnLst>
+            <p:seq concurrent="1" nextAc="seek">
+              <p:cTn id="2" dur="indefinite" nodeType="mainSeq">
+                <p:childTnLst>
+                  <p:par>
+                    <p:cTn id="3" fill="hold">
+                      <p:stCondLst>
+                        <p:cond delay="indefinite"/>
+                      </p:stCondLst>
+                      <p:childTnLst>
+                        <p:par>
+                          <p:cTn id="4" fill="hold">
+                            <p:stCondLst>
+                              <p:cond delay="0"/>
+                            </p:stCondLst>
+                            <p:childTnLst>
+                              <p:par>
+                                <p:cTn id="5" presetID="5" presetClass="entr" presetSubtype="10" fill="hold" nodeType="clickEffect">
+                                  <p:stCondLst>
+                                    <p:cond delay="0"/>
+                                  </p:stCondLst>
+                                  <p:childTnLst>
+                                    <p:set>
+                                      <p:cBhvr>
+                                        <p:cTn id="6" dur="1" fill="hold">
+                                          <p:stCondLst>
+                                            <p:cond delay="0"/>
+                                          </p:stCondLst>
+                                        </p:cTn>
+                                        <p:tgtEl>
+                                          <p:spTgt spid="5"/>
+                                        </p:tgtEl>
+                                        <p:attrNameLst>
+                                          <p:attrName>style.visibility</p:attrName>
+                                        </p:attrNameLst>
+                                      </p:cBhvr>
+                                      <p:to>
+                                        <p:strVal val="visible"/>
+                                      </p:to>
+                                    </p:set>
+                                    <p:animEffect transition="in" filter="checkerboard(across)">
+                                      <p:cBhvr>
+                                        <p:cTn id="7" dur="500"/>
+                                        <p:tgtEl>
+                                          <p:spTgt spid="5"/>
+                                        </p:tgtEl>
+                                      </p:cBhvr>
+                                    </p:animEffect>
+                                  </p:childTnLst>
+                                </p:cTn>
+                              </p:par>
+                            </p:childTnLst>
+                          </p:cTn>
+                        </p:par>
+                      </p:childTnLst>
+                    </p:cTn>
+                  </p:par>
+                  <p:par>
+                    <p:cTn id="8" fill="hold">
+                      <p:stCondLst>
+                        <p:cond delay="indefinite"/>
+                      </p:stCondLst>
+                      <p:childTnLst>
+                        <p:par>
+                          <p:cTn id="9" fill="hold">
+                            <p:stCondLst>
+                              <p:cond delay="0"/>
+                            </p:stCondLst>
+                            <p:childTnLst>
+                              <p:par>
+                                <p:cTn id="10" presetID="6" presetClass="entr" presetSubtype="16" fill="hold" nodeType="clickEffect">
+                                  <p:stCondLst>
+                                    <p:cond delay="0"/>
+                                  </p:stCondLst>
+                                  <p:childTnLst>
+                                    <p:set>
+                                      <p:cBhvr>
+                                        <p:cTn id="11" dur="1" fill="hold">
+                                          <p:stCondLst>
+                                            <p:cond delay="0"/>
+                                          </p:stCondLst>
+                                        </p:cTn>
+                                        <p:tgtEl>
+                                          <p:spTgt spid="7"/>
+                                        </p:tgtEl>
+                                        <p:attrNameLst>
+                                          <p:attrName>style.visibility</p:attrName>
+                                        </p:attrNameLst>
+                                      </p:cBhvr>
+                                      <p:to>
+                                        <p:strVal val="visible"/>
+                                      </p:to>
+                                    </p:set>
+                                    <p:animEffect transition="in" filter="circle(in)">
+                                      <p:cBhvr>
+                                        <p:cTn id="12" dur="2000"/>
+                                        <p:tgtEl>
+                                          <p:spTgt spid="7"/>
+                                        </p:tgtEl>
+                                      </p:cBhvr>
+                                    </p:animEffect>
+                                  </p:childTnLst>
+                                </p:cTn>
+                              </p:par>
+                            </p:childTnLst>
+                          </p:cTn>
+                        </p:par>
+                      </p:childTnLst>
+                    </p:cTn>
+                  </p:par>
+                  <p:par>
+                    <p:cTn id="13" fill="hold">
+                      <p:stCondLst>
+                        <p:cond delay="indefinite"/>
+                      </p:stCondLst>
+                      <p:childTnLst>
+                        <p:par>
+                          <p:cTn id="14" fill="hold">
+                            <p:stCondLst>
+                              <p:cond delay="0"/>
+                            </p:stCondLst>
+                            <p:childTnLst>
+                              <p:par>
+                                <p:cTn id="15" presetID="16" presetClass="entr" presetSubtype="21" fill="hold" grpId="0" nodeType="clickEffect">
+                                  <p:stCondLst>
+                                    <p:cond delay="0"/>
+                                  </p:stCondLst>
+                                  <p:childTnLst>
+                                    <p:set>
+                                      <p:cBhvr>
+                                        <p:cTn id="16" dur="1" fill="hold">
+                                          <p:stCondLst>
+                                            <p:cond delay="0"/>
+                                          </p:stCondLst>
+                                        </p:cTn>
+                                        <p:tgtEl>
+                                          <p:spTgt spid="6"/>
+                                        </p:tgtEl>
+                                        <p:attrNameLst>
+                                          <p:attrName>style.visibility</p:attrName>
+                                        </p:attrNameLst>
+                                      </p:cBhvr>
+                                      <p:to>
+                                        <p:strVal val="visible"/>
+                                      </p:to>
+                                    </p:set>
+                                    <p:animEffect transition="in" filter="barn(inVertical)">
+                                      <p:cBhvr>
+                                        <p:cTn id="17" dur="500"/>
+                                        <p:tgtEl>
+                                          <p:spTgt spid="6"/>
+                                        </p:tgtEl>
+                                      </p:cBhvr>
+                                    </p:animEffect>
+                                  </p:childTnLst>
+                                </p:cTn>
+                              </p:par>
+                              <p:par>
+                                <p:cTn id="18" presetID="16" presetClass="entr" presetSubtype="21" fill="hold" nodeType="withEffect">
+                                  <p:stCondLst>
+                                    <p:cond delay="0"/>
+                                  </p:stCondLst>
+                                  <p:childTnLst>
+                                    <p:set>
+                                      <p:cBhvr>
+                                        <p:cTn id="19" dur="1" fill="hold">
+                                          <p:stCondLst>
+                                            <p:cond delay="0"/>
+                                          </p:stCondLst>
+                                        </p:cTn>
+                                        <p:tgtEl>
+                                          <p:spTgt spid="4"/>
+                                        </p:tgtEl>
+                                        <p:attrNameLst>
+                                          <p:attrName>style.visibility</p:attrName>
+                                        </p:attrNameLst>
+                                      </p:cBhvr>
+                                      <p:to>
+                                        <p:strVal val="visible"/>
+                                      </p:to>
+                                    </p:set>
+                                    <p:animEffect transition="in" filter="barn(inVertical)">
+                                      <p:cBhvr>
+                                        <p:cTn id="20" dur="500"/>
+                                        <p:tgtEl>
+                                          <p:spTgt spid="4"/>
+                                        </p:tgtEl>
+                                      </p:cBhvr>
+                                    </p:animEffect>
+                                  </p:childTnLst>
+                                  <p:subTnLst>
+                                    <p:set>
+                                      <p:cBhvr override="childStyle">
+                                        <p:cTn dur="1" fill="hold" display="0" masterRel="nextClick" afterEffect="1"/>
+                                        <p:tgtEl>
+                                          <p:spTgt spid="4"/>
+                                        </p:tgtEl>
+                                        <p:attrNameLst>
+                                          <p:attrName>style.visibility</p:attrName>
+                                        </p:attrNameLst>
+                                      </p:cBhvr>
+                                      <p:to>
+                                        <p:strVal val="hidden"/>
+                                      </p:to>
+                                    </p:set>
+                                  </p:subTnLst>
+                                </p:cTn>
+                              </p:par>
+                              <p:par>
+                                <p:cTn id="21" presetID="16" presetClass="entr" presetSubtype="21" fill="hold" grpId="0" nodeType="withEffect">
+                                  <p:stCondLst>
+                                    <p:cond delay="0"/>
+                                  </p:stCondLst>
+                                  <p:childTnLst>
+                                    <p:set>
+                                      <p:cBhvr>
+                                        <p:cTn id="22" dur="1" fill="hold">
+                                          <p:stCondLst>
+                                            <p:cond delay="0"/>
+                                          </p:stCondLst>
+                                        </p:cTn>
+                                        <p:tgtEl>
+                                          <p:spTgt spid="8"/>
+                                        </p:tgtEl>
+                                        <p:attrNameLst>
+                                          <p:attrName>style.visibility</p:attrName>
+                                        </p:attrNameLst>
+                                      </p:cBhvr>
+                                      <p:to>
+                                        <p:strVal val="visible"/>
+                                      </p:to>
+                                    </p:set>
+                                    <p:animEffect transition="in" filter="barn(inVertical)">
+                                      <p:cBhvr>
+                                        <p:cTn id="23" dur="500"/>
+                                        <p:tgtEl>
+                                          <p:spTgt spid="8"/>
+                                        </p:tgtEl>
+                                      </p:cBhvr>
+                                    </p:animEffect>
+                                  </p:childTnLst>
+                                  <p:subTnLst>
+                                    <p:set>
+                                      <p:cBhvr override="childStyle">
+                                        <p:cTn dur="1" fill="hold" display="0" masterRel="nextClick" afterEffect="1"/>
+                                        <p:tgtEl>
+                                          <p:spTgt spid="8"/>
+                                        </p:tgtEl>
+                                        <p:attrNameLst>
+                                          <p:attrName>style.visibility</p:attrName>
+                                        </p:attrNameLst>
+                                      </p:cBhvr>
+                                      <p:to>
+                                        <p:strVal val="hidden"/>
+                                      </p:to>
+                                    </p:set>
+                                  </p:subTnLst>
+                                </p:cTn>
+                              </p:par>
+                            </p:childTnLst>
+                          </p:cTn>
+                        </p:par>
+                      </p:childTnLst>
+                    </p:cTn>
+                  </p:par>
+                  <p:par>
+                    <p:cTn id="24" fill="hold">
+                      <p:stCondLst>
+                        <p:cond delay="indefinite"/>
+                      </p:stCondLst>
+                      <p:childTnLst>
+                        <p:par>
+                          <p:cTn id="25" fill="hold">
+                            <p:stCondLst>
+                              <p:cond delay="0"/>
+                            </p:stCondLst>
+                            <p:childTnLst>
+                              <p:par>
+                                <p:cTn id="26" presetID="5" presetClass="entr" presetSubtype="10" fill="hold" grpId="0" nodeType="clickEffect">
+                                  <p:stCondLst>
+                                    <p:cond delay="0"/>
+                                  </p:stCondLst>
+                                  <p:childTnLst>
+                                    <p:set>
+                                      <p:cBhvr>
+                                        <p:cTn id="27" dur="1" fill="hold">
+                                          <p:stCondLst>
+                                            <p:cond delay="0"/>
+                                          </p:stCondLst>
+                                        </p:cTn>
+                                        <p:tgtEl>
+                                          <p:spTgt spid="9"/>
+                                        </p:tgtEl>
+                                        <p:attrNameLst>
+                                          <p:attrName>style.visibility</p:attrName>
+                                        </p:attrNameLst>
+                                      </p:cBhvr>
+                                      <p:to>
+                                        <p:strVal val="visible"/>
+                                      </p:to>
+                                    </p:set>
+                                    <p:animEffect transition="in" filter="checkerboard(across)">
+                                      <p:cBhvr>
+                                        <p:cTn id="28" dur="500"/>
+                                        <p:tgtEl>
+                                          <p:spTgt spid="9"/>
+                                        </p:tgtEl>
+                                      </p:cBhvr>
+                                    </p:animEffect>
+                                  </p:childTnLst>
+                                  <p:subTnLst>
+                                    <p:set>
+                                      <p:cBhvr override="childStyle">
+                                        <p:cTn dur="1" fill="hold" display="0" masterRel="nextClick" afterEffect="1"/>
+                                        <p:tgtEl>
+                                          <p:spTgt spid="9"/>
+                                        </p:tgtEl>
+                                        <p:attrNameLst>
+                                          <p:attrName>style.visibility</p:attrName>
+                                        </p:attrNameLst>
+                                      </p:cBhvr>
+                                      <p:to>
+                                        <p:strVal val="hidden"/>
+                                      </p:to>
+                                    </p:set>
+                                  </p:subTnLst>
+                                </p:cTn>
+                              </p:par>
+                            </p:childTnLst>
+                          </p:cTn>
+                        </p:par>
+                      </p:childTnLst>
+                    </p:cTn>
+                  </p:par>
+                  <p:par>
+                    <p:cTn id="29" fill="hold">
+                      <p:stCondLst>
+                        <p:cond delay="indefinite"/>
+                      </p:stCondLst>
+                      <p:childTnLst>
+                        <p:par>
+                          <p:cTn id="30" fill="hold">
+                            <p:stCondLst>
+                              <p:cond delay="0"/>
+                            </p:stCondLst>
+                            <p:childTnLst>
+                              <p:par>
+                                <p:cTn id="31" presetID="5" presetClass="entr" presetSubtype="10" fill="hold" grpId="0" nodeType="clickEffect">
+                                  <p:stCondLst>
+                                    <p:cond delay="0"/>
+                                  </p:stCondLst>
+                                  <p:childTnLst>
+                                    <p:set>
+                                      <p:cBhvr>
+                                        <p:cTn id="32" dur="1" fill="hold">
+                                          <p:stCondLst>
+                                            <p:cond delay="0"/>
+                                          </p:stCondLst>
+                                        </p:cTn>
+                                        <p:tgtEl>
+                                          <p:spTgt spid="17"/>
+                                        </p:tgtEl>
+                                        <p:attrNameLst>
+                                          <p:attrName>style.visibility</p:attrName>
+                                        </p:attrNameLst>
+                                      </p:cBhvr>
+                                      <p:to>
+                                        <p:strVal val="visible"/>
+                                      </p:to>
+                                    </p:set>
+                                    <p:animEffect transition="in" filter="checkerboard(across)">
+                                      <p:cBhvr>
+                                        <p:cTn id="33" dur="500"/>
+                                        <p:tgtEl>
+                                          <p:spTgt spid="17"/>
+                                        </p:tgtEl>
+                                      </p:cBhvr>
+                                    </p:animEffect>
+                                  </p:childTnLst>
+                                  <p:subTnLst>
+                                    <p:set>
+                                      <p:cBhvr override="childStyle">
+                                        <p:cTn dur="1" fill="hold" display="0" masterRel="nextClick" afterEffect="1"/>
+                                        <p:tgtEl>
+                                          <p:spTgt spid="17"/>
+                                        </p:tgtEl>
+                                        <p:attrNameLst>
+                                          <p:attrName>style.visibility</p:attrName>
+                                        </p:attrNameLst>
+                                      </p:cBhvr>
+                                      <p:to>
+                                        <p:strVal val="hidden"/>
+                                      </p:to>
+                                    </p:set>
+                                  </p:subTnLst>
+                                </p:cTn>
+                              </p:par>
+                            </p:childTnLst>
+                          </p:cTn>
+                        </p:par>
+                      </p:childTnLst>
+                    </p:cTn>
+                  </p:par>
+                  <p:par>
+                    <p:cTn id="34" fill="hold">
+                      <p:stCondLst>
+                        <p:cond delay="indefinite"/>
+                      </p:stCondLst>
+                      <p:childTnLst>
+                        <p:par>
+                          <p:cTn id="35" fill="hold">
+                            <p:stCondLst>
+                              <p:cond delay="0"/>
+                            </p:stCondLst>
+                            <p:childTnLst>
+                              <p:par>
+                                <p:cTn id="36" presetID="1" presetClass="entr" presetSubtype="0" fill="hold" grpId="2" nodeType="clickEffect">
+                                  <p:stCondLst>
+                                    <p:cond delay="0"/>
+                                  </p:stCondLst>
+                                  <p:childTnLst>
+                                    <p:set>
+                                      <p:cBhvr>
+                                        <p:cTn id="37" dur="1" fill="hold">
+                                          <p:stCondLst>
+                                            <p:cond delay="0"/>
+                                          </p:stCondLst>
+                                        </p:cTn>
+                                        <p:tgtEl>
+                                          <p:spTgt spid="19"/>
+                                        </p:tgtEl>
+                                        <p:attrNameLst>
+                                          <p:attrName>style.visibility</p:attrName>
+                                        </p:attrNameLst>
+                                      </p:cBhvr>
+                                      <p:to>
+                                        <p:strVal val="visible"/>
+                                      </p:to>
+                                    </p:set>
+                                  </p:childTnLst>
+                                </p:cTn>
+                              </p:par>
+                            </p:childTnLst>
+                          </p:cTn>
+                        </p:par>
+                      </p:childTnLst>
+                    </p:cTn>
+                  </p:par>
+                </p:childTnLst>
+              </p:cTn>
+              <p:prevCondLst>
+                <p:cond evt="onPrev" delay="0">
+                  <p:tgtEl>
+                    <p:sldTgt/>
+                  </p:tgtEl>
+                </p:cond>
+              </p:prevCondLst>
+              <p:nextCondLst>
+                <p:cond evt="onNext" delay="0">
+                  <p:tgtEl>
+                    <p:sldTgt/>
+                  </p:tgtEl>
+                </p:cond>
+              </p:nextCondLst>
+            </p:seq>
+          </p:childTnLst>
+        </p:cTn>
+      </p:par>
+    </p:tnLst>
+    <p:bldLst>
+      <p:bldP spid="6" grpId="0"/>
+      <p:bldP spid="8" grpId="0" animBg="1"/>
+      <p:bldP spid="9" grpId="0"/>
+      <p:bldP spid="17" grpId="0" animBg="1"/>
+      <p:bldP spid="19" grpId="2" animBg="1"/>
     </p:bldLst>
   </p:timing>
 </p:sld>
